--- a/Презентация проекта.pptx
+++ b/Презентация проекта.pptx
@@ -6,21 +6,17 @@
     <p:sldMasterId id="2147483661" r:id="rId2"/>
   </p:sldMasterIdLst>
   <p:notesMasterIdLst>
-    <p:notesMasterId r:id="rId15"/>
+    <p:notesMasterId r:id="rId11"/>
   </p:notesMasterIdLst>
   <p:sldIdLst>
-    <p:sldId id="256" r:id="rId3"/>
-    <p:sldId id="347" r:id="rId4"/>
-    <p:sldId id="354" r:id="rId5"/>
-    <p:sldId id="349" r:id="rId6"/>
-    <p:sldId id="355" r:id="rId7"/>
-    <p:sldId id="306" r:id="rId8"/>
-    <p:sldId id="353" r:id="rId9"/>
-    <p:sldId id="356" r:id="rId10"/>
-    <p:sldId id="358" r:id="rId11"/>
-    <p:sldId id="357" r:id="rId12"/>
-    <p:sldId id="359" r:id="rId13"/>
-    <p:sldId id="307" r:id="rId14"/>
+    <p:sldId id="349" r:id="rId3"/>
+    <p:sldId id="355" r:id="rId4"/>
+    <p:sldId id="306" r:id="rId5"/>
+    <p:sldId id="353" r:id="rId6"/>
+    <p:sldId id="356" r:id="rId7"/>
+    <p:sldId id="358" r:id="rId8"/>
+    <p:sldId id="357" r:id="rId9"/>
+    <p:sldId id="359" r:id="rId10"/>
   </p:sldIdLst>
   <p:sldSz cx="12192000" cy="6858000"/>
   <p:notesSz cx="6858000" cy="12192000"/>
@@ -220,7 +216,7 @@
           <a:p>
             <a:fld id="{B04DCA98-92C0-4F48-89D1-3FD303C7CE35}" type="datetimeFigureOut">
               <a:rPr lang="ru-RU" smtClean="0"/>
-              <a:t>14.11.2021</a:t>
+              <a:t>27.11.2021</a:t>
             </a:fld>
             <a:endParaRPr lang="ru-RU"/>
           </a:p>
@@ -487,90 +483,6 @@
 </p:notesMaster>
 </file>
 
-<file path=ppt/notesSlides/notesSlide1.xml><?xml version="1.0" encoding="utf-8"?>
-<p:notes xmlns:a="http://schemas.openxmlformats.org/drawingml/2006/main" xmlns:r="http://schemas.openxmlformats.org/officeDocument/2006/relationships" xmlns:p="http://schemas.openxmlformats.org/presentationml/2006/main">
-  <p:cSld>
-    <p:spTree>
-      <p:nvGrpSpPr>
-        <p:cNvPr id="1" name=""/>
-        <p:cNvGrpSpPr/>
-        <p:nvPr/>
-      </p:nvGrpSpPr>
-      <p:grpSpPr>
-        <a:xfrm>
-          <a:off x="0" y="0"/>
-          <a:ext cx="0" cy="0"/>
-          <a:chOff x="0" y="0"/>
-          <a:chExt cx="0" cy="0"/>
-        </a:xfrm>
-      </p:grpSpPr>
-      <p:sp>
-        <p:nvSpPr>
-          <p:cNvPr id="2" name="Образ слайда 1"/>
-          <p:cNvSpPr>
-            <a:spLocks noGrp="1" noRot="1" noChangeAspect="1"/>
-          </p:cNvSpPr>
-          <p:nvPr>
-            <p:ph type="sldImg"/>
-          </p:nvPr>
-        </p:nvSpPr>
-        <p:spPr/>
-      </p:sp>
-      <p:sp>
-        <p:nvSpPr>
-          <p:cNvPr id="3" name="Заметки 2"/>
-          <p:cNvSpPr>
-            <a:spLocks noGrp="1"/>
-          </p:cNvSpPr>
-          <p:nvPr>
-            <p:ph type="body" idx="1"/>
-          </p:nvPr>
-        </p:nvSpPr>
-        <p:spPr/>
-        <p:txBody>
-          <a:bodyPr/>
-          <a:lstStyle/>
-          <a:p>
-            <a:endParaRPr lang="ru-RU" dirty="0"/>
-          </a:p>
-        </p:txBody>
-      </p:sp>
-      <p:sp>
-        <p:nvSpPr>
-          <p:cNvPr id="4" name="Номер слайда 3"/>
-          <p:cNvSpPr>
-            <a:spLocks noGrp="1"/>
-          </p:cNvSpPr>
-          <p:nvPr>
-            <p:ph type="sldNum" sz="quarter" idx="5"/>
-          </p:nvPr>
-        </p:nvSpPr>
-        <p:spPr/>
-        <p:txBody>
-          <a:bodyPr/>
-          <a:lstStyle/>
-          <a:p>
-            <a:fld id="{7B5F47EF-21AF-41BD-AB82-5A4B797CA39E}" type="slidenum">
-              <a:rPr lang="ru-RU" smtClean="0"/>
-              <a:t>12</a:t>
-            </a:fld>
-            <a:endParaRPr lang="ru-RU"/>
-          </a:p>
-        </p:txBody>
-      </p:sp>
-    </p:spTree>
-    <p:extLst>
-      <p:ext uri="{BB962C8B-B14F-4D97-AF65-F5344CB8AC3E}">
-        <p14:creationId xmlns:p14="http://schemas.microsoft.com/office/powerpoint/2010/main" val="1922736092"/>
-      </p:ext>
-    </p:extLst>
-  </p:cSld>
-  <p:clrMapOvr>
-    <a:masterClrMapping/>
-  </p:clrMapOvr>
-</p:notes>
-</file>
-
 <file path=ppt/slideLayouts/slideLayout1.xml><?xml version="1.0" encoding="utf-8"?>
 <p:sldLayout xmlns:a="http://schemas.openxmlformats.org/drawingml/2006/main" xmlns:r="http://schemas.openxmlformats.org/officeDocument/2006/relationships" xmlns:p="http://schemas.openxmlformats.org/presentationml/2006/main" showMasterPhAnim="0" type="title" preserve="1" userDrawn="1">
   <p:cSld name="Титульный слайд">
@@ -709,7 +621,7 @@
             </a:pPr>
             <a:fld id="{F9A2CB3F-9E6C-4531-82DF-EF260906E9D5}" type="datetimeFigureOut">
               <a:rPr lang="ru-RU"/>
-              <a:t>14.11.2021</a:t>
+              <a:t>27.11.2021</a:t>
             </a:fld>
             <a:endParaRPr lang="ru-RU"/>
           </a:p>
@@ -898,7 +810,7 @@
             </a:pPr>
             <a:fld id="{F9A2CB3F-9E6C-4531-82DF-EF260906E9D5}" type="datetimeFigureOut">
               <a:rPr lang="ru-RU"/>
-              <a:t>14.11.2021</a:t>
+              <a:t>27.11.2021</a:t>
             </a:fld>
             <a:endParaRPr lang="ru-RU"/>
           </a:p>
@@ -1097,7 +1009,7 @@
             </a:pPr>
             <a:fld id="{F9A2CB3F-9E6C-4531-82DF-EF260906E9D5}" type="datetimeFigureOut">
               <a:rPr lang="ru-RU"/>
-              <a:t>14.11.2021</a:t>
+              <a:t>27.11.2021</a:t>
             </a:fld>
             <a:endParaRPr lang="ru-RU"/>
           </a:p>
@@ -1160,259 +1072,6 @@
 </file>
 
 <file path=ppt/slideLayouts/slideLayout12.xml><?xml version="1.0" encoding="utf-8"?>
-<p:sldLayout xmlns:a="http://schemas.openxmlformats.org/drawingml/2006/main" xmlns:r="http://schemas.openxmlformats.org/officeDocument/2006/relationships" xmlns:p="http://schemas.openxmlformats.org/presentationml/2006/main" showMasterSp="0" showMasterPhAnim="0" type="obj" userDrawn="1">
-  <p:cSld name="1_Title Only">
-    <p:bg>
-      <p:bgPr>
-        <a:solidFill>
-          <a:schemeClr val="bg1"/>
-        </a:solidFill>
-        <a:effectLst/>
-      </p:bgPr>
-    </p:bg>
-    <p:spTree>
-      <p:nvGrpSpPr>
-        <p:cNvPr id="1" name=""/>
-        <p:cNvGrpSpPr/>
-        <p:nvPr/>
-      </p:nvGrpSpPr>
-      <p:grpSpPr bwMode="auto">
-        <a:xfrm>
-          <a:off x="0" y="0"/>
-          <a:ext cx="0" cy="0"/>
-          <a:chOff x="0" y="0"/>
-          <a:chExt cx="0" cy="0"/>
-        </a:xfrm>
-      </p:grpSpPr>
-      <p:sp>
-        <p:nvSpPr>
-          <p:cNvPr id="4" name="bg object 16"/>
-          <p:cNvSpPr/>
-          <p:nvPr/>
-        </p:nvSpPr>
-        <p:spPr bwMode="auto">
-          <a:xfrm rot="10800000">
-            <a:off x="0" y="0"/>
-            <a:ext cx="12188952" cy="2667000"/>
-          </a:xfrm>
-          <a:prstGeom prst="rect">
-            <a:avLst/>
-          </a:prstGeom>
-          <a:blipFill>
-            <a:blip r:embed="rId2"/>
-            <a:stretch/>
-          </a:blipFill>
-        </p:spPr>
-        <p:txBody>
-          <a:bodyPr wrap="square" lIns="0" tIns="0" rIns="0" bIns="0" rtlCol="0"/>
-          <a:lstStyle/>
-          <a:p>
-            <a:pPr>
-              <a:defRPr/>
-            </a:pPr>
-            <a:endParaRPr/>
-          </a:p>
-        </p:txBody>
-      </p:sp>
-      <p:sp>
-        <p:nvSpPr>
-          <p:cNvPr id="5" name="Holder 2"/>
-          <p:cNvSpPr>
-            <a:spLocks noGrp="1"/>
-          </p:cNvSpPr>
-          <p:nvPr>
-            <p:ph type="title"/>
-          </p:nvPr>
-        </p:nvSpPr>
-        <p:spPr bwMode="auto">
-          <a:xfrm>
-            <a:off x="685800" y="2667000"/>
-            <a:ext cx="7493328" cy="1933575"/>
-          </a:xfrm>
-          <a:prstGeom prst="rect">
-            <a:avLst/>
-          </a:prstGeom>
-        </p:spPr>
-        <p:txBody>
-          <a:bodyPr lIns="0" tIns="0" rIns="0" bIns="0"/>
-          <a:lstStyle>
-            <a:lvl1pPr>
-              <a:defRPr sz="6600" b="0" i="0">
-                <a:solidFill>
-                  <a:schemeClr val="tx1"/>
-                </a:solidFill>
-                <a:latin typeface="SBSansDisplay-Light"/>
-                <a:cs typeface="SBSansDisplay-Light"/>
-              </a:defRPr>
-            </a:lvl1pPr>
-          </a:lstStyle>
-          <a:p>
-            <a:pPr>
-              <a:defRPr/>
-            </a:pPr>
-            <a:endParaRPr/>
-          </a:p>
-        </p:txBody>
-      </p:sp>
-      <p:sp>
-        <p:nvSpPr>
-          <p:cNvPr id="6" name="Holder 3"/>
-          <p:cNvSpPr>
-            <a:spLocks noGrp="1"/>
-          </p:cNvSpPr>
-          <p:nvPr>
-            <p:ph type="ftr" sz="quarter" idx="5"/>
-          </p:nvPr>
-        </p:nvSpPr>
-        <p:spPr bwMode="auto"/>
-        <p:txBody>
-          <a:bodyPr lIns="0" tIns="0" rIns="0" bIns="0"/>
-          <a:lstStyle>
-            <a:lvl1pPr algn="ctr">
-              <a:defRPr>
-                <a:solidFill>
-                  <a:schemeClr val="tx1">
-                    <a:tint val="75000"/>
-                  </a:schemeClr>
-                </a:solidFill>
-              </a:defRPr>
-            </a:lvl1pPr>
-          </a:lstStyle>
-          <a:p>
-            <a:pPr>
-              <a:defRPr/>
-            </a:pPr>
-            <a:endParaRPr/>
-          </a:p>
-        </p:txBody>
-      </p:sp>
-      <p:sp>
-        <p:nvSpPr>
-          <p:cNvPr id="7" name="Holder 4"/>
-          <p:cNvSpPr>
-            <a:spLocks noGrp="1"/>
-          </p:cNvSpPr>
-          <p:nvPr>
-            <p:ph type="dt" sz="half" idx="6"/>
-          </p:nvPr>
-        </p:nvSpPr>
-        <p:spPr bwMode="auto"/>
-        <p:txBody>
-          <a:bodyPr lIns="0" tIns="0" rIns="0" bIns="0"/>
-          <a:lstStyle>
-            <a:lvl1pPr algn="l">
-              <a:defRPr>
-                <a:solidFill>
-                  <a:schemeClr val="tx1">
-                    <a:tint val="75000"/>
-                  </a:schemeClr>
-                </a:solidFill>
-              </a:defRPr>
-            </a:lvl1pPr>
-          </a:lstStyle>
-          <a:p>
-            <a:pPr>
-              <a:defRPr/>
-            </a:pPr>
-            <a:fld id="{1D8BD707-D9CF-40AE-B4C6-C98DA3205C09}" type="datetimeFigureOut">
-              <a:rPr lang="en-US"/>
-              <a:t>11/14/2021</a:t>
-            </a:fld>
-            <a:endParaRPr lang="en-US"/>
-          </a:p>
-        </p:txBody>
-      </p:sp>
-      <p:sp>
-        <p:nvSpPr>
-          <p:cNvPr id="8" name="Holder 5"/>
-          <p:cNvSpPr>
-            <a:spLocks noGrp="1"/>
-          </p:cNvSpPr>
-          <p:nvPr>
-            <p:ph type="sldNum" sz="quarter" idx="7"/>
-          </p:nvPr>
-        </p:nvSpPr>
-        <p:spPr bwMode="auto"/>
-        <p:txBody>
-          <a:bodyPr lIns="0" tIns="0" rIns="0" bIns="0"/>
-          <a:lstStyle>
-            <a:lvl1pPr algn="r">
-              <a:defRPr>
-                <a:solidFill>
-                  <a:schemeClr val="tx1">
-                    <a:tint val="75000"/>
-                  </a:schemeClr>
-                </a:solidFill>
-              </a:defRPr>
-            </a:lvl1pPr>
-          </a:lstStyle>
-          <a:p>
-            <a:pPr>
-              <a:defRPr/>
-            </a:pPr>
-            <a:fld id="{B6F15528-21DE-4FAA-801E-634DDDAF4B2B}" type="slidenum">
-              <a:rPr/>
-              <a:t>‹#›</a:t>
-            </a:fld>
-            <a:endParaRPr/>
-          </a:p>
-        </p:txBody>
-      </p:sp>
-      <p:pic>
-        <p:nvPicPr>
-          <p:cNvPr id="9" name="Рисунок 5"/>
-          <p:cNvPicPr>
-            <a:picLocks noChangeAspect="1"/>
-          </p:cNvPicPr>
-          <p:nvPr userDrawn="1"/>
-        </p:nvPicPr>
-        <p:blipFill>
-          <a:blip r:embed="rId3"/>
-          <a:stretch/>
-        </p:blipFill>
-        <p:spPr bwMode="auto">
-          <a:xfrm>
-            <a:off x="713526" y="715959"/>
-            <a:ext cx="3528959" cy="717426"/>
-          </a:xfrm>
-          <a:prstGeom prst="rect">
-            <a:avLst/>
-          </a:prstGeom>
-        </p:spPr>
-      </p:pic>
-      <p:pic>
-        <p:nvPicPr>
-          <p:cNvPr id="2" name="Рисунок 1" descr="http://991534A3C7251C9405CF94537ACCF30B.dms.sberbank.ru/991534A3C7251C9405CF94537ACCF30B-D440A21A956D124775E2C7E5463C2229-60BBB1E720F74602F5F5025182EDED22/1.png"/>
-          <p:cNvPicPr>
-            <a:picLocks/>
-          </p:cNvPicPr>
-          <p:nvPr userDrawn="1"/>
-        </p:nvPicPr>
-        <p:blipFill>
-          <a:blip r:link="rId4"/>
-          <a:stretch>
-            <a:fillRect/>
-          </a:stretch>
-        </p:blipFill>
-        <p:spPr>
-          <a:xfrm>
-            <a:off x="0" y="0"/>
-            <a:ext cx="1588" cy="1588"/>
-          </a:xfrm>
-          <a:prstGeom prst="rect">
-            <a:avLst/>
-          </a:prstGeom>
-        </p:spPr>
-      </p:pic>
-    </p:spTree>
-  </p:cSld>
-  <p:clrMapOvr>
-    <a:masterClrMapping/>
-  </p:clrMapOvr>
-</p:sldLayout>
-</file>
-
-<file path=ppt/slideLayouts/slideLayout13.xml><?xml version="1.0" encoding="utf-8"?>
 <p:sldLayout xmlns:a="http://schemas.openxmlformats.org/drawingml/2006/main" xmlns:r="http://schemas.openxmlformats.org/officeDocument/2006/relationships" xmlns:p="http://schemas.openxmlformats.org/presentationml/2006/main" showMasterPhAnim="0" userDrawn="1">
   <p:cSld name="13_Пустой слайд">
     <p:bg>
@@ -1728,7 +1387,7 @@
 </p:sldLayout>
 </file>
 
-<file path=ppt/slideLayouts/slideLayout14.xml><?xml version="1.0" encoding="utf-8"?>
+<file path=ppt/slideLayouts/slideLayout13.xml><?xml version="1.0" encoding="utf-8"?>
 <p:sldLayout xmlns:a="http://schemas.openxmlformats.org/drawingml/2006/main" xmlns:r="http://schemas.openxmlformats.org/officeDocument/2006/relationships" xmlns:p="http://schemas.openxmlformats.org/presentationml/2006/main" showMasterSp="0" showMasterPhAnim="0" type="obj" preserve="1" userDrawn="1">
   <p:cSld name="Title Slide">
     <p:bg>
@@ -1921,7 +1580,7 @@
             </a:pPr>
             <a:fld id="{1D8BD707-D9CF-40AE-B4C6-C98DA3205C09}" type="datetimeFigureOut">
               <a:rPr lang="en-US"/>
-              <a:t>11/14/2021</a:t>
+              <a:t>11/27/2021</a:t>
             </a:fld>
             <a:endParaRPr lang="en-US"/>
           </a:p>
@@ -1971,7 +1630,7 @@
 </p:sldLayout>
 </file>
 
-<file path=ppt/slideLayouts/slideLayout15.xml><?xml version="1.0" encoding="utf-8"?>
+<file path=ppt/slideLayouts/slideLayout14.xml><?xml version="1.0" encoding="utf-8"?>
 <p:sldLayout xmlns:a="http://schemas.openxmlformats.org/drawingml/2006/main" xmlns:r="http://schemas.openxmlformats.org/officeDocument/2006/relationships" xmlns:p="http://schemas.openxmlformats.org/presentationml/2006/main" showMasterPhAnim="0" type="obj" preserve="1" userDrawn="1">
   <p:cSld name="Title and Content">
     <p:spTree>
@@ -2124,7 +1783,7 @@
             </a:pPr>
             <a:fld id="{1D8BD707-D9CF-40AE-B4C6-C98DA3205C09}" type="datetimeFigureOut">
               <a:rPr lang="en-US"/>
-              <a:t>11/14/2021</a:t>
+              <a:t>11/27/2021</a:t>
             </a:fld>
             <a:endParaRPr lang="en-US"/>
           </a:p>
@@ -2174,7 +1833,7 @@
 </p:sldLayout>
 </file>
 
-<file path=ppt/slideLayouts/slideLayout16.xml><?xml version="1.0" encoding="utf-8"?>
+<file path=ppt/slideLayouts/slideLayout15.xml><?xml version="1.0" encoding="utf-8"?>
 <p:sldLayout xmlns:a="http://schemas.openxmlformats.org/drawingml/2006/main" xmlns:r="http://schemas.openxmlformats.org/officeDocument/2006/relationships" xmlns:p="http://schemas.openxmlformats.org/presentationml/2006/main" showMasterPhAnim="0" preserve="1" userDrawn="1">
   <p:cSld name="6_Custom Layout">
     <p:spTree>
@@ -2337,7 +1996,7 @@
 </p:sldLayout>
 </file>
 
-<file path=ppt/slideLayouts/slideLayout17.xml><?xml version="1.0" encoding="utf-8"?>
+<file path=ppt/slideLayouts/slideLayout16.xml><?xml version="1.0" encoding="utf-8"?>
 <p:sldLayout xmlns:a="http://schemas.openxmlformats.org/drawingml/2006/main" xmlns:r="http://schemas.openxmlformats.org/officeDocument/2006/relationships" xmlns:p="http://schemas.openxmlformats.org/presentationml/2006/main" showMasterPhAnim="0" preserve="1" userDrawn="1">
   <p:cSld name="7_Custom Layout">
     <p:spTree>
@@ -2464,7 +2123,7 @@
 </p:sldLayout>
 </file>
 
-<file path=ppt/slideLayouts/slideLayout18.xml><?xml version="1.0" encoding="utf-8"?>
+<file path=ppt/slideLayouts/slideLayout17.xml><?xml version="1.0" encoding="utf-8"?>
 <p:sldLayout xmlns:a="http://schemas.openxmlformats.org/drawingml/2006/main" xmlns:r="http://schemas.openxmlformats.org/officeDocument/2006/relationships" xmlns:p="http://schemas.openxmlformats.org/presentationml/2006/main" showMasterPhAnim="0" preserve="1" userDrawn="1">
   <p:cSld name="4_Пользовательский макет">
     <p:spTree>
@@ -2545,7 +2204,7 @@
             </a:pPr>
             <a:fld id="{1D8BD707-D9CF-40AE-B4C6-C98DA3205C09}" type="datetimeFigureOut">
               <a:rPr lang="en-US"/>
-              <a:t>11/14/2021</a:t>
+              <a:t>11/27/2021</a:t>
             </a:fld>
             <a:endParaRPr lang="en-US"/>
           </a:p>
@@ -2607,7 +2266,7 @@
 </p:sldLayout>
 </file>
 
-<file path=ppt/slideLayouts/slideLayout19.xml><?xml version="1.0" encoding="utf-8"?>
+<file path=ppt/slideLayouts/slideLayout18.xml><?xml version="1.0" encoding="utf-8"?>
 <p:sldLayout xmlns:a="http://schemas.openxmlformats.org/drawingml/2006/main" xmlns:r="http://schemas.openxmlformats.org/officeDocument/2006/relationships" xmlns:p="http://schemas.openxmlformats.org/presentationml/2006/main" showMasterPhAnim="0" preserve="1" userDrawn="1">
   <p:cSld name="5_Пользовательский макет">
     <p:spTree>
@@ -2688,7 +2347,7 @@
             </a:pPr>
             <a:fld id="{1D8BD707-D9CF-40AE-B4C6-C98DA3205C09}" type="datetimeFigureOut">
               <a:rPr lang="en-US"/>
-              <a:t>11/14/2021</a:t>
+              <a:t>11/27/2021</a:t>
             </a:fld>
             <a:endParaRPr lang="en-US"/>
           </a:p>
@@ -2750,196 +2409,7 @@
 </p:sldLayout>
 </file>
 
-<file path=ppt/slideLayouts/slideLayout2.xml><?xml version="1.0" encoding="utf-8"?>
-<p:sldLayout xmlns:a="http://schemas.openxmlformats.org/drawingml/2006/main" xmlns:r="http://schemas.openxmlformats.org/officeDocument/2006/relationships" xmlns:p="http://schemas.openxmlformats.org/presentationml/2006/main" showMasterPhAnim="0" type="obj" preserve="1" userDrawn="1">
-  <p:cSld name="Заголовок и объект">
-    <p:spTree>
-      <p:nvGrpSpPr>
-        <p:cNvPr id="1" name=""/>
-        <p:cNvGrpSpPr/>
-        <p:nvPr/>
-      </p:nvGrpSpPr>
-      <p:grpSpPr bwMode="auto">
-        <a:xfrm>
-          <a:off x="0" y="0"/>
-          <a:ext cx="0" cy="0"/>
-          <a:chOff x="0" y="0"/>
-          <a:chExt cx="0" cy="0"/>
-        </a:xfrm>
-      </p:grpSpPr>
-      <p:sp>
-        <p:nvSpPr>
-          <p:cNvPr id="4" name="Заголовок 1"/>
-          <p:cNvSpPr>
-            <a:spLocks noGrp="1"/>
-          </p:cNvSpPr>
-          <p:nvPr>
-            <p:ph type="title"/>
-          </p:nvPr>
-        </p:nvSpPr>
-        <p:spPr bwMode="auto"/>
-        <p:txBody>
-          <a:bodyPr/>
-          <a:lstStyle/>
-          <a:p>
-            <a:pPr>
-              <a:defRPr/>
-            </a:pPr>
-            <a:r>
-              <a:rPr lang="ru-RU"/>
-              <a:t>Образец заголовка</a:t>
-            </a:r>
-          </a:p>
-        </p:txBody>
-      </p:sp>
-      <p:sp>
-        <p:nvSpPr>
-          <p:cNvPr id="5" name="Объект 2"/>
-          <p:cNvSpPr>
-            <a:spLocks noGrp="1"/>
-          </p:cNvSpPr>
-          <p:nvPr>
-            <p:ph idx="1"/>
-          </p:nvPr>
-        </p:nvSpPr>
-        <p:spPr bwMode="auto"/>
-        <p:txBody>
-          <a:bodyPr/>
-          <a:lstStyle/>
-          <a:p>
-            <a:pPr lvl="0">
-              <a:defRPr/>
-            </a:pPr>
-            <a:r>
-              <a:rPr lang="ru-RU"/>
-              <a:t>Образец текста</a:t>
-            </a:r>
-            <a:endParaRPr/>
-          </a:p>
-          <a:p>
-            <a:pPr lvl="1">
-              <a:defRPr/>
-            </a:pPr>
-            <a:r>
-              <a:rPr lang="ru-RU"/>
-              <a:t>Второй уровень</a:t>
-            </a:r>
-            <a:endParaRPr/>
-          </a:p>
-          <a:p>
-            <a:pPr lvl="2">
-              <a:defRPr/>
-            </a:pPr>
-            <a:r>
-              <a:rPr lang="ru-RU"/>
-              <a:t>Третий уровень</a:t>
-            </a:r>
-            <a:endParaRPr/>
-          </a:p>
-          <a:p>
-            <a:pPr lvl="3">
-              <a:defRPr/>
-            </a:pPr>
-            <a:r>
-              <a:rPr lang="ru-RU"/>
-              <a:t>Четвертый уровень</a:t>
-            </a:r>
-            <a:endParaRPr/>
-          </a:p>
-          <a:p>
-            <a:pPr lvl="4">
-              <a:defRPr/>
-            </a:pPr>
-            <a:r>
-              <a:rPr lang="ru-RU"/>
-              <a:t>Пятый уровень</a:t>
-            </a:r>
-          </a:p>
-        </p:txBody>
-      </p:sp>
-      <p:sp>
-        <p:nvSpPr>
-          <p:cNvPr id="6" name="Дата 3"/>
-          <p:cNvSpPr>
-            <a:spLocks noGrp="1"/>
-          </p:cNvSpPr>
-          <p:nvPr>
-            <p:ph type="dt" sz="half" idx="10"/>
-          </p:nvPr>
-        </p:nvSpPr>
-        <p:spPr bwMode="auto"/>
-        <p:txBody>
-          <a:bodyPr/>
-          <a:lstStyle/>
-          <a:p>
-            <a:pPr>
-              <a:defRPr/>
-            </a:pPr>
-            <a:fld id="{F9A2CB3F-9E6C-4531-82DF-EF260906E9D5}" type="datetimeFigureOut">
-              <a:rPr lang="ru-RU"/>
-              <a:t>14.11.2021</a:t>
-            </a:fld>
-            <a:endParaRPr lang="ru-RU"/>
-          </a:p>
-        </p:txBody>
-      </p:sp>
-      <p:sp>
-        <p:nvSpPr>
-          <p:cNvPr id="7" name="Нижний колонтитул 4"/>
-          <p:cNvSpPr>
-            <a:spLocks noGrp="1"/>
-          </p:cNvSpPr>
-          <p:nvPr>
-            <p:ph type="ftr" sz="quarter" idx="11"/>
-          </p:nvPr>
-        </p:nvSpPr>
-        <p:spPr bwMode="auto"/>
-        <p:txBody>
-          <a:bodyPr/>
-          <a:lstStyle/>
-          <a:p>
-            <a:pPr>
-              <a:defRPr/>
-            </a:pPr>
-            <a:endParaRPr lang="ru-RU"/>
-          </a:p>
-        </p:txBody>
-      </p:sp>
-      <p:sp>
-        <p:nvSpPr>
-          <p:cNvPr id="8" name="Номер слайда 5"/>
-          <p:cNvSpPr>
-            <a:spLocks noGrp="1"/>
-          </p:cNvSpPr>
-          <p:nvPr>
-            <p:ph type="sldNum" sz="quarter" idx="12"/>
-          </p:nvPr>
-        </p:nvSpPr>
-        <p:spPr bwMode="auto"/>
-        <p:txBody>
-          <a:bodyPr/>
-          <a:lstStyle/>
-          <a:p>
-            <a:pPr>
-              <a:defRPr/>
-            </a:pPr>
-            <a:fld id="{13E68939-3EB5-44F6-8D41-33285E24A685}" type="slidenum">
-              <a:rPr lang="ru-RU"/>
-              <a:t>‹#›</a:t>
-            </a:fld>
-            <a:endParaRPr lang="ru-RU"/>
-          </a:p>
-        </p:txBody>
-      </p:sp>
-    </p:spTree>
-  </p:cSld>
-  <p:clrMapOvr>
-    <a:masterClrMapping/>
-  </p:clrMapOvr>
-</p:sldLayout>
-</file>
-
-<file path=ppt/slideLayouts/slideLayout20.xml><?xml version="1.0" encoding="utf-8"?>
+<file path=ppt/slideLayouts/slideLayout19.xml><?xml version="1.0" encoding="utf-8"?>
 <p:sldLayout xmlns:a="http://schemas.openxmlformats.org/drawingml/2006/main" xmlns:r="http://schemas.openxmlformats.org/officeDocument/2006/relationships" xmlns:p="http://schemas.openxmlformats.org/presentationml/2006/main" showMasterSp="0" showMasterPhAnim="0" preserve="1" userDrawn="1">
   <p:cSld name="Two Content">
     <p:bg>
@@ -3056,7 +2526,7 @@
             </a:pPr>
             <a:fld id="{1D8BD707-D9CF-40AE-B4C6-C98DA3205C09}" type="datetimeFigureOut">
               <a:rPr lang="en-US"/>
-              <a:t>11/14/2021</a:t>
+              <a:t>11/27/2021</a:t>
             </a:fld>
             <a:endParaRPr lang="en-US"/>
           </a:p>
@@ -3106,7 +2576,196 @@
 </p:sldLayout>
 </file>
 
-<file path=ppt/slideLayouts/slideLayout21.xml><?xml version="1.0" encoding="utf-8"?>
+<file path=ppt/slideLayouts/slideLayout2.xml><?xml version="1.0" encoding="utf-8"?>
+<p:sldLayout xmlns:a="http://schemas.openxmlformats.org/drawingml/2006/main" xmlns:r="http://schemas.openxmlformats.org/officeDocument/2006/relationships" xmlns:p="http://schemas.openxmlformats.org/presentationml/2006/main" showMasterPhAnim="0" type="obj" preserve="1" userDrawn="1">
+  <p:cSld name="Заголовок и объект">
+    <p:spTree>
+      <p:nvGrpSpPr>
+        <p:cNvPr id="1" name=""/>
+        <p:cNvGrpSpPr/>
+        <p:nvPr/>
+      </p:nvGrpSpPr>
+      <p:grpSpPr bwMode="auto">
+        <a:xfrm>
+          <a:off x="0" y="0"/>
+          <a:ext cx="0" cy="0"/>
+          <a:chOff x="0" y="0"/>
+          <a:chExt cx="0" cy="0"/>
+        </a:xfrm>
+      </p:grpSpPr>
+      <p:sp>
+        <p:nvSpPr>
+          <p:cNvPr id="4" name="Заголовок 1"/>
+          <p:cNvSpPr>
+            <a:spLocks noGrp="1"/>
+          </p:cNvSpPr>
+          <p:nvPr>
+            <p:ph type="title"/>
+          </p:nvPr>
+        </p:nvSpPr>
+        <p:spPr bwMode="auto"/>
+        <p:txBody>
+          <a:bodyPr/>
+          <a:lstStyle/>
+          <a:p>
+            <a:pPr>
+              <a:defRPr/>
+            </a:pPr>
+            <a:r>
+              <a:rPr lang="ru-RU"/>
+              <a:t>Образец заголовка</a:t>
+            </a:r>
+          </a:p>
+        </p:txBody>
+      </p:sp>
+      <p:sp>
+        <p:nvSpPr>
+          <p:cNvPr id="5" name="Объект 2"/>
+          <p:cNvSpPr>
+            <a:spLocks noGrp="1"/>
+          </p:cNvSpPr>
+          <p:nvPr>
+            <p:ph idx="1"/>
+          </p:nvPr>
+        </p:nvSpPr>
+        <p:spPr bwMode="auto"/>
+        <p:txBody>
+          <a:bodyPr/>
+          <a:lstStyle/>
+          <a:p>
+            <a:pPr lvl="0">
+              <a:defRPr/>
+            </a:pPr>
+            <a:r>
+              <a:rPr lang="ru-RU"/>
+              <a:t>Образец текста</a:t>
+            </a:r>
+            <a:endParaRPr/>
+          </a:p>
+          <a:p>
+            <a:pPr lvl="1">
+              <a:defRPr/>
+            </a:pPr>
+            <a:r>
+              <a:rPr lang="ru-RU"/>
+              <a:t>Второй уровень</a:t>
+            </a:r>
+            <a:endParaRPr/>
+          </a:p>
+          <a:p>
+            <a:pPr lvl="2">
+              <a:defRPr/>
+            </a:pPr>
+            <a:r>
+              <a:rPr lang="ru-RU"/>
+              <a:t>Третий уровень</a:t>
+            </a:r>
+            <a:endParaRPr/>
+          </a:p>
+          <a:p>
+            <a:pPr lvl="3">
+              <a:defRPr/>
+            </a:pPr>
+            <a:r>
+              <a:rPr lang="ru-RU"/>
+              <a:t>Четвертый уровень</a:t>
+            </a:r>
+            <a:endParaRPr/>
+          </a:p>
+          <a:p>
+            <a:pPr lvl="4">
+              <a:defRPr/>
+            </a:pPr>
+            <a:r>
+              <a:rPr lang="ru-RU"/>
+              <a:t>Пятый уровень</a:t>
+            </a:r>
+          </a:p>
+        </p:txBody>
+      </p:sp>
+      <p:sp>
+        <p:nvSpPr>
+          <p:cNvPr id="6" name="Дата 3"/>
+          <p:cNvSpPr>
+            <a:spLocks noGrp="1"/>
+          </p:cNvSpPr>
+          <p:nvPr>
+            <p:ph type="dt" sz="half" idx="10"/>
+          </p:nvPr>
+        </p:nvSpPr>
+        <p:spPr bwMode="auto"/>
+        <p:txBody>
+          <a:bodyPr/>
+          <a:lstStyle/>
+          <a:p>
+            <a:pPr>
+              <a:defRPr/>
+            </a:pPr>
+            <a:fld id="{F9A2CB3F-9E6C-4531-82DF-EF260906E9D5}" type="datetimeFigureOut">
+              <a:rPr lang="ru-RU"/>
+              <a:t>27.11.2021</a:t>
+            </a:fld>
+            <a:endParaRPr lang="ru-RU"/>
+          </a:p>
+        </p:txBody>
+      </p:sp>
+      <p:sp>
+        <p:nvSpPr>
+          <p:cNvPr id="7" name="Нижний колонтитул 4"/>
+          <p:cNvSpPr>
+            <a:spLocks noGrp="1"/>
+          </p:cNvSpPr>
+          <p:nvPr>
+            <p:ph type="ftr" sz="quarter" idx="11"/>
+          </p:nvPr>
+        </p:nvSpPr>
+        <p:spPr bwMode="auto"/>
+        <p:txBody>
+          <a:bodyPr/>
+          <a:lstStyle/>
+          <a:p>
+            <a:pPr>
+              <a:defRPr/>
+            </a:pPr>
+            <a:endParaRPr lang="ru-RU"/>
+          </a:p>
+        </p:txBody>
+      </p:sp>
+      <p:sp>
+        <p:nvSpPr>
+          <p:cNvPr id="8" name="Номер слайда 5"/>
+          <p:cNvSpPr>
+            <a:spLocks noGrp="1"/>
+          </p:cNvSpPr>
+          <p:nvPr>
+            <p:ph type="sldNum" sz="quarter" idx="12"/>
+          </p:nvPr>
+        </p:nvSpPr>
+        <p:spPr bwMode="auto"/>
+        <p:txBody>
+          <a:bodyPr/>
+          <a:lstStyle/>
+          <a:p>
+            <a:pPr>
+              <a:defRPr/>
+            </a:pPr>
+            <a:fld id="{13E68939-3EB5-44F6-8D41-33285E24A685}" type="slidenum">
+              <a:rPr lang="ru-RU"/>
+              <a:t>‹#›</a:t>
+            </a:fld>
+            <a:endParaRPr lang="ru-RU"/>
+          </a:p>
+        </p:txBody>
+      </p:sp>
+    </p:spTree>
+  </p:cSld>
+  <p:clrMapOvr>
+    <a:masterClrMapping/>
+  </p:clrMapOvr>
+</p:sldLayout>
+</file>
+
+<file path=ppt/slideLayouts/slideLayout20.xml><?xml version="1.0" encoding="utf-8"?>
 <p:sldLayout xmlns:a="http://schemas.openxmlformats.org/drawingml/2006/main" xmlns:r="http://schemas.openxmlformats.org/officeDocument/2006/relationships" xmlns:p="http://schemas.openxmlformats.org/presentationml/2006/main" showMasterSp="0" showMasterPhAnim="0" type="obj" preserve="1" userDrawn="1">
   <p:cSld name="Title Only">
     <p:bg>
@@ -3264,7 +2923,7 @@
             </a:pPr>
             <a:fld id="{1D8BD707-D9CF-40AE-B4C6-C98DA3205C09}" type="datetimeFigureOut">
               <a:rPr lang="en-US"/>
-              <a:t>11/14/2021</a:t>
+              <a:t>11/27/2021</a:t>
             </a:fld>
             <a:endParaRPr lang="en-US"/>
           </a:p>
@@ -3278,7 +2937,7 @@
 </p:sldLayout>
 </file>
 
-<file path=ppt/slideLayouts/slideLayout22.xml><?xml version="1.0" encoding="utf-8"?>
+<file path=ppt/slideLayouts/slideLayout21.xml><?xml version="1.0" encoding="utf-8"?>
 <p:sldLayout xmlns:a="http://schemas.openxmlformats.org/drawingml/2006/main" xmlns:r="http://schemas.openxmlformats.org/officeDocument/2006/relationships" xmlns:p="http://schemas.openxmlformats.org/presentationml/2006/main" showMasterSp="0" showMasterPhAnim="0" type="obj" preserve="1" userDrawn="1">
   <p:cSld name="1_Title Only">
     <p:bg>
@@ -3435,7 +3094,7 @@
             </a:pPr>
             <a:fld id="{1D8BD707-D9CF-40AE-B4C6-C98DA3205C09}" type="datetimeFigureOut">
               <a:rPr lang="en-US"/>
-              <a:t>11/14/2021</a:t>
+              <a:t>11/27/2021</a:t>
             </a:fld>
             <a:endParaRPr lang="en-US"/>
           </a:p>
@@ -3532,7 +3191,7 @@
 </p:sldLayout>
 </file>
 
-<file path=ppt/slideLayouts/slideLayout23.xml><?xml version="1.0" encoding="utf-8"?>
+<file path=ppt/slideLayouts/slideLayout22.xml><?xml version="1.0" encoding="utf-8"?>
 <p:sldLayout xmlns:a="http://schemas.openxmlformats.org/drawingml/2006/main" xmlns:r="http://schemas.openxmlformats.org/officeDocument/2006/relationships" xmlns:p="http://schemas.openxmlformats.org/presentationml/2006/main" showMasterSp="0" showMasterPhAnim="0" type="obj" preserve="1" userDrawn="1">
   <p:cSld name="2_Title Only">
     <p:bg>
@@ -3689,7 +3348,7 @@
             </a:pPr>
             <a:fld id="{1D8BD707-D9CF-40AE-B4C6-C98DA3205C09}" type="datetimeFigureOut">
               <a:rPr lang="en-US"/>
-              <a:t>11/14/2021</a:t>
+              <a:t>11/27/2021</a:t>
             </a:fld>
             <a:endParaRPr lang="en-US"/>
           </a:p>
@@ -3739,7 +3398,7 @@
 </p:sldLayout>
 </file>
 
-<file path=ppt/slideLayouts/slideLayout24.xml><?xml version="1.0" encoding="utf-8"?>
+<file path=ppt/slideLayouts/slideLayout23.xml><?xml version="1.0" encoding="utf-8"?>
 <p:sldLayout xmlns:a="http://schemas.openxmlformats.org/drawingml/2006/main" xmlns:r="http://schemas.openxmlformats.org/officeDocument/2006/relationships" xmlns:p="http://schemas.openxmlformats.org/presentationml/2006/main" showMasterPhAnim="0" preserve="1" userDrawn="1">
   <p:cSld name="2_Пользовательский макет">
     <p:spTree>
@@ -3798,7 +3457,7 @@
             </a:pPr>
             <a:fld id="{1D8BD707-D9CF-40AE-B4C6-C98DA3205C09}" type="datetimeFigureOut">
               <a:rPr lang="en-US"/>
-              <a:t>11/14/2021</a:t>
+              <a:t>11/27/2021</a:t>
             </a:fld>
             <a:endParaRPr lang="en-US"/>
           </a:p>
@@ -3900,7 +3559,7 @@
 </p:sldLayout>
 </file>
 
-<file path=ppt/slideLayouts/slideLayout25.xml><?xml version="1.0" encoding="utf-8"?>
+<file path=ppt/slideLayouts/slideLayout24.xml><?xml version="1.0" encoding="utf-8"?>
 <p:sldLayout xmlns:a="http://schemas.openxmlformats.org/drawingml/2006/main" xmlns:r="http://schemas.openxmlformats.org/officeDocument/2006/relationships" xmlns:p="http://schemas.openxmlformats.org/presentationml/2006/main" showMasterPhAnim="0" preserve="1" userDrawn="1">
   <p:cSld name="1_Пользовательский макет">
     <p:spTree>
@@ -3989,7 +3648,7 @@
             </a:pPr>
             <a:fld id="{1D8BD707-D9CF-40AE-B4C6-C98DA3205C09}" type="datetimeFigureOut">
               <a:rPr lang="en-US"/>
-              <a:t>11/14/2021</a:t>
+              <a:t>11/27/2021</a:t>
             </a:fld>
             <a:endParaRPr lang="en-US"/>
           </a:p>
@@ -4029,7 +3688,7 @@
 </p:sldLayout>
 </file>
 
-<file path=ppt/slideLayouts/slideLayout26.xml><?xml version="1.0" encoding="utf-8"?>
+<file path=ppt/slideLayouts/slideLayout25.xml><?xml version="1.0" encoding="utf-8"?>
 <p:sldLayout xmlns:a="http://schemas.openxmlformats.org/drawingml/2006/main" xmlns:r="http://schemas.openxmlformats.org/officeDocument/2006/relationships" xmlns:p="http://schemas.openxmlformats.org/presentationml/2006/main" showMasterPhAnim="0" preserve="1" userDrawn="1">
   <p:cSld name="Пользовательский макет">
     <p:spTree>
@@ -4088,7 +3747,7 @@
             </a:pPr>
             <a:fld id="{1D8BD707-D9CF-40AE-B4C6-C98DA3205C09}" type="datetimeFigureOut">
               <a:rPr lang="en-US"/>
-              <a:t>11/14/2021</a:t>
+              <a:t>11/27/2021</a:t>
             </a:fld>
             <a:endParaRPr lang="en-US"/>
           </a:p>
@@ -4151,7 +3810,7 @@
 </p:sldLayout>
 </file>
 
-<file path=ppt/slideLayouts/slideLayout27.xml><?xml version="1.0" encoding="utf-8"?>
+<file path=ppt/slideLayouts/slideLayout26.xml><?xml version="1.0" encoding="utf-8"?>
 <p:sldLayout xmlns:a="http://schemas.openxmlformats.org/drawingml/2006/main" xmlns:r="http://schemas.openxmlformats.org/officeDocument/2006/relationships" xmlns:p="http://schemas.openxmlformats.org/presentationml/2006/main" showMasterPhAnim="0" type="obj" preserve="1" userDrawn="1">
   <p:cSld name="Blank">
     <p:spTree>
@@ -4230,7 +3889,7 @@
             </a:pPr>
             <a:fld id="{1D8BD707-D9CF-40AE-B4C6-C98DA3205C09}" type="datetimeFigureOut">
               <a:rPr lang="en-US"/>
-              <a:t>11/14/2021</a:t>
+              <a:t>11/27/2021</a:t>
             </a:fld>
             <a:endParaRPr lang="en-US"/>
           </a:p>
@@ -4280,7 +3939,7 @@
 </p:sldLayout>
 </file>
 
-<file path=ppt/slideLayouts/slideLayout28.xml><?xml version="1.0" encoding="utf-8"?>
+<file path=ppt/slideLayouts/slideLayout27.xml><?xml version="1.0" encoding="utf-8"?>
 <p:sldLayout xmlns:a="http://schemas.openxmlformats.org/drawingml/2006/main" xmlns:r="http://schemas.openxmlformats.org/officeDocument/2006/relationships" xmlns:p="http://schemas.openxmlformats.org/presentationml/2006/main" showMasterPhAnim="0" userDrawn="1">
   <p:cSld name="13_Пустой слайд">
     <p:bg>
@@ -4808,7 +4467,7 @@
             </a:pPr>
             <a:fld id="{F9A2CB3F-9E6C-4531-82DF-EF260906E9D5}" type="datetimeFigureOut">
               <a:rPr lang="ru-RU"/>
-              <a:t>14.11.2021</a:t>
+              <a:t>27.11.2021</a:t>
             </a:fld>
             <a:endParaRPr lang="ru-RU"/>
           </a:p>
@@ -5072,7 +4731,7 @@
             </a:pPr>
             <a:fld id="{F9A2CB3F-9E6C-4531-82DF-EF260906E9D5}" type="datetimeFigureOut">
               <a:rPr lang="ru-RU"/>
-              <a:t>14.11.2021</a:t>
+              <a:t>27.11.2021</a:t>
             </a:fld>
             <a:endParaRPr lang="ru-RU"/>
           </a:p>
@@ -5477,7 +5136,7 @@
             </a:pPr>
             <a:fld id="{F9A2CB3F-9E6C-4531-82DF-EF260906E9D5}" type="datetimeFigureOut">
               <a:rPr lang="ru-RU"/>
-              <a:t>14.11.2021</a:t>
+              <a:t>27.11.2021</a:t>
             </a:fld>
             <a:endParaRPr lang="ru-RU"/>
           </a:p>
@@ -5601,7 +5260,7 @@
             </a:pPr>
             <a:fld id="{F9A2CB3F-9E6C-4531-82DF-EF260906E9D5}" type="datetimeFigureOut">
               <a:rPr lang="ru-RU"/>
-              <a:t>14.11.2021</a:t>
+              <a:t>27.11.2021</a:t>
             </a:fld>
             <a:endParaRPr lang="ru-RU"/>
           </a:p>
@@ -5700,7 +5359,7 @@
             </a:pPr>
             <a:fld id="{F9A2CB3F-9E6C-4531-82DF-EF260906E9D5}" type="datetimeFigureOut">
               <a:rPr lang="ru-RU"/>
-              <a:t>14.11.2021</a:t>
+              <a:t>27.11.2021</a:t>
             </a:fld>
             <a:endParaRPr lang="ru-RU"/>
           </a:p>
@@ -5999,7 +5658,7 @@
             </a:pPr>
             <a:fld id="{F9A2CB3F-9E6C-4531-82DF-EF260906E9D5}" type="datetimeFigureOut">
               <a:rPr lang="ru-RU"/>
-              <a:t>14.11.2021</a:t>
+              <a:t>27.11.2021</a:t>
             </a:fld>
             <a:endParaRPr lang="ru-RU"/>
           </a:p>
@@ -6264,7 +5923,7 @@
             </a:pPr>
             <a:fld id="{F9A2CB3F-9E6C-4531-82DF-EF260906E9D5}" type="datetimeFigureOut">
               <a:rPr lang="ru-RU"/>
-              <a:t>14.11.2021</a:t>
+              <a:t>27.11.2021</a:t>
             </a:fld>
             <a:endParaRPr lang="ru-RU"/>
           </a:p>
@@ -6496,7 +6155,7 @@
             </a:pPr>
             <a:fld id="{F9A2CB3F-9E6C-4531-82DF-EF260906E9D5}" type="datetimeFigureOut">
               <a:rPr lang="ru-RU"/>
-              <a:t>14.11.2021</a:t>
+              <a:t>27.11.2021</a:t>
             </a:fld>
             <a:endParaRPr lang="ru-RU"/>
           </a:p>
@@ -6601,8 +6260,7 @@
     <p:sldLayoutId id="2147483657" r:id="rId9"/>
     <p:sldLayoutId id="2147483658" r:id="rId10"/>
     <p:sldLayoutId id="2147483659" r:id="rId11"/>
-    <p:sldLayoutId id="2147483660" r:id="rId12"/>
-    <p:sldLayoutId id="2147483677" r:id="rId13"/>
+    <p:sldLayoutId id="2147483677" r:id="rId12"/>
   </p:sldLayoutIdLst>
   <p:txStyles>
     <p:titleStyle>
@@ -6994,7 +6652,7 @@
             </a:pPr>
             <a:fld id="{1D8BD707-D9CF-40AE-B4C6-C98DA3205C09}" type="datetimeFigureOut">
               <a:rPr lang="en-US"/>
-              <a:t>11/14/2021</a:t>
+              <a:t>11/27/2021</a:t>
             </a:fld>
             <a:endParaRPr lang="en-US"/>
           </a:p>
@@ -7265,1819 +6923,6 @@
       </p:grpSpPr>
       <p:sp>
         <p:nvSpPr>
-          <p:cNvPr id="4" name="Заголовок 4"/>
-          <p:cNvSpPr>
-            <a:spLocks/>
-          </p:cNvSpPr>
-          <p:nvPr/>
-        </p:nvSpPr>
-        <p:spPr bwMode="auto">
-          <a:xfrm>
-            <a:off x="551384" y="2204864"/>
-            <a:ext cx="11386864" cy="2448272"/>
-          </a:xfrm>
-          <a:prstGeom prst="rect">
-            <a:avLst/>
-          </a:prstGeom>
-        </p:spPr>
-        <p:txBody>
-          <a:bodyPr vert="horz" lIns="0" tIns="0" rIns="0" bIns="0" anchor="t" anchorCtr="0"/>
-          <a:lstStyle>
-            <a:lvl1pPr>
-              <a:defRPr sz="6000" b="0" i="0">
-                <a:latin typeface="SB Sans Display Light"/>
-                <a:ea typeface="+mj-ea"/>
-                <a:cs typeface="SB Sans Display Light"/>
-              </a:defRPr>
-            </a:lvl1pPr>
-          </a:lstStyle>
-          <a:p>
-            <a:pPr marL="0" marR="0" lvl="0" indent="0" algn="l" defTabSz="914400">
-              <a:lnSpc>
-                <a:spcPct val="100000"/>
-              </a:lnSpc>
-              <a:spcBef>
-                <a:spcPts val="0"/>
-              </a:spcBef>
-              <a:spcAft>
-                <a:spcPts val="0"/>
-              </a:spcAft>
-              <a:buClrTx/>
-              <a:buSzTx/>
-              <a:buFontTx/>
-              <a:buNone/>
-              <a:defRPr/>
-            </a:pPr>
-            <a:endParaRPr lang="ru-RU" b="1" dirty="0"/>
-          </a:p>
-        </p:txBody>
-      </p:sp>
-      <p:sp>
-        <p:nvSpPr>
-          <p:cNvPr id="5" name="Text Placeholder 3"/>
-          <p:cNvSpPr>
-            <a:spLocks/>
-          </p:cNvSpPr>
-          <p:nvPr/>
-        </p:nvSpPr>
-        <p:spPr bwMode="auto">
-          <a:xfrm>
-            <a:off x="712971" y="4572000"/>
-            <a:ext cx="10793228" cy="1720334"/>
-          </a:xfrm>
-          <a:prstGeom prst="rect">
-            <a:avLst/>
-          </a:prstGeom>
-        </p:spPr>
-        <p:txBody>
-          <a:bodyPr lIns="0" tIns="0" rIns="0" bIns="0"/>
-          <a:lstStyle>
-            <a:lvl1pPr marL="228600" indent="-228600" algn="l" defTabSz="914400">
-              <a:lnSpc>
-                <a:spcPct val="90000"/>
-              </a:lnSpc>
-              <a:spcBef>
-                <a:spcPts val="1000"/>
-              </a:spcBef>
-              <a:buFont typeface="Arial"/>
-              <a:buChar char="•"/>
-              <a:defRPr sz="2800" b="0" i="0">
-                <a:solidFill>
-                  <a:schemeClr val="tx1"/>
-                </a:solidFill>
-                <a:latin typeface="SB Sans Display Regular"/>
-                <a:ea typeface="+mn-ea"/>
-                <a:cs typeface="+mn-cs"/>
-              </a:defRPr>
-            </a:lvl1pPr>
-            <a:lvl2pPr marL="685800" indent="-228600" algn="l" defTabSz="914400">
-              <a:lnSpc>
-                <a:spcPct val="90000"/>
-              </a:lnSpc>
-              <a:spcBef>
-                <a:spcPts val="500"/>
-              </a:spcBef>
-              <a:buFont typeface="Arial"/>
-              <a:buChar char="•"/>
-              <a:defRPr sz="2400" b="0" i="0">
-                <a:solidFill>
-                  <a:schemeClr val="tx1"/>
-                </a:solidFill>
-                <a:latin typeface="SB Sans Display Regular"/>
-                <a:ea typeface="+mn-ea"/>
-                <a:cs typeface="+mn-cs"/>
-              </a:defRPr>
-            </a:lvl2pPr>
-            <a:lvl3pPr marL="1143000" indent="-228600" algn="l" defTabSz="914400">
-              <a:lnSpc>
-                <a:spcPct val="90000"/>
-              </a:lnSpc>
-              <a:spcBef>
-                <a:spcPts val="500"/>
-              </a:spcBef>
-              <a:buFont typeface="Arial"/>
-              <a:buChar char="•"/>
-              <a:defRPr sz="2000" b="0" i="0">
-                <a:solidFill>
-                  <a:schemeClr val="tx1"/>
-                </a:solidFill>
-                <a:latin typeface="SB Sans Display Regular"/>
-                <a:ea typeface="+mn-ea"/>
-                <a:cs typeface="+mn-cs"/>
-              </a:defRPr>
-            </a:lvl3pPr>
-            <a:lvl4pPr marL="1600200" indent="-228600" algn="l" defTabSz="914400">
-              <a:lnSpc>
-                <a:spcPct val="90000"/>
-              </a:lnSpc>
-              <a:spcBef>
-                <a:spcPts val="500"/>
-              </a:spcBef>
-              <a:buFont typeface="Arial"/>
-              <a:buChar char="•"/>
-              <a:defRPr sz="1800" b="0" i="0">
-                <a:solidFill>
-                  <a:schemeClr val="tx1"/>
-                </a:solidFill>
-                <a:latin typeface="SB Sans Display Regular"/>
-                <a:ea typeface="+mn-ea"/>
-                <a:cs typeface="+mn-cs"/>
-              </a:defRPr>
-            </a:lvl4pPr>
-            <a:lvl5pPr marL="2057400" indent="-228600" algn="l" defTabSz="914400">
-              <a:lnSpc>
-                <a:spcPct val="90000"/>
-              </a:lnSpc>
-              <a:spcBef>
-                <a:spcPts val="500"/>
-              </a:spcBef>
-              <a:buFont typeface="Arial"/>
-              <a:buChar char="•"/>
-              <a:defRPr sz="1800" b="0" i="0">
-                <a:solidFill>
-                  <a:schemeClr val="tx1"/>
-                </a:solidFill>
-                <a:latin typeface="SB Sans Display Regular"/>
-                <a:ea typeface="+mn-ea"/>
-                <a:cs typeface="+mn-cs"/>
-              </a:defRPr>
-            </a:lvl5pPr>
-            <a:lvl6pPr marL="2514600" indent="-228600" algn="l" defTabSz="914400">
-              <a:lnSpc>
-                <a:spcPct val="90000"/>
-              </a:lnSpc>
-              <a:spcBef>
-                <a:spcPts val="500"/>
-              </a:spcBef>
-              <a:buFont typeface="Arial"/>
-              <a:buChar char="•"/>
-              <a:defRPr sz="1800">
-                <a:solidFill>
-                  <a:schemeClr val="tx1"/>
-                </a:solidFill>
-                <a:latin typeface="+mn-lt"/>
-                <a:ea typeface="+mn-ea"/>
-                <a:cs typeface="+mn-cs"/>
-              </a:defRPr>
-            </a:lvl6pPr>
-            <a:lvl7pPr marL="2971800" indent="-228600" algn="l" defTabSz="914400">
-              <a:lnSpc>
-                <a:spcPct val="90000"/>
-              </a:lnSpc>
-              <a:spcBef>
-                <a:spcPts val="500"/>
-              </a:spcBef>
-              <a:buFont typeface="Arial"/>
-              <a:buChar char="•"/>
-              <a:defRPr sz="1800">
-                <a:solidFill>
-                  <a:schemeClr val="tx1"/>
-                </a:solidFill>
-                <a:latin typeface="+mn-lt"/>
-                <a:ea typeface="+mn-ea"/>
-                <a:cs typeface="+mn-cs"/>
-              </a:defRPr>
-            </a:lvl7pPr>
-            <a:lvl8pPr marL="3429000" indent="-228600" algn="l" defTabSz="914400">
-              <a:lnSpc>
-                <a:spcPct val="90000"/>
-              </a:lnSpc>
-              <a:spcBef>
-                <a:spcPts val="500"/>
-              </a:spcBef>
-              <a:buFont typeface="Arial"/>
-              <a:buChar char="•"/>
-              <a:defRPr sz="1800">
-                <a:solidFill>
-                  <a:schemeClr val="tx1"/>
-                </a:solidFill>
-                <a:latin typeface="+mn-lt"/>
-                <a:ea typeface="+mn-ea"/>
-                <a:cs typeface="+mn-cs"/>
-              </a:defRPr>
-            </a:lvl8pPr>
-            <a:lvl9pPr marL="3886200" indent="-228600" algn="l" defTabSz="914400">
-              <a:lnSpc>
-                <a:spcPct val="90000"/>
-              </a:lnSpc>
-              <a:spcBef>
-                <a:spcPts val="500"/>
-              </a:spcBef>
-              <a:buFont typeface="Arial"/>
-              <a:buChar char="•"/>
-              <a:defRPr sz="1800">
-                <a:solidFill>
-                  <a:schemeClr val="tx1"/>
-                </a:solidFill>
-                <a:latin typeface="+mn-lt"/>
-                <a:ea typeface="+mn-ea"/>
-                <a:cs typeface="+mn-cs"/>
-              </a:defRPr>
-            </a:lvl9pPr>
-          </a:lstStyle>
-          <a:p>
-            <a:pPr marL="0" marR="0" lvl="0" indent="0" algn="l" defTabSz="360000">
-              <a:lnSpc>
-                <a:spcPct val="100000"/>
-              </a:lnSpc>
-              <a:spcBef>
-                <a:spcPts val="0"/>
-              </a:spcBef>
-              <a:spcAft>
-                <a:spcPts val="0"/>
-              </a:spcAft>
-              <a:buClrTx/>
-              <a:buSzTx/>
-              <a:buFont typeface="Arial"/>
-              <a:buNone/>
-              <a:defRPr/>
-            </a:pPr>
-            <a:endParaRPr lang="ru-RU" sz="3600" b="0" i="1" u="none" strike="noStrike" cap="none" spc="0" dirty="0" smtClean="0">
-              <a:ln>
-                <a:noFill/>
-              </a:ln>
-              <a:solidFill>
-                <a:srgbClr val="333F48"/>
-              </a:solidFill>
-              <a:latin typeface="+mn-lt"/>
-              <a:ea typeface="+mn-ea"/>
-              <a:cs typeface="SB Sans Text Light"/>
-            </a:endParaRPr>
-          </a:p>
-          <a:p>
-            <a:pPr marL="0" marR="0" lvl="0" indent="0" algn="l" defTabSz="360000">
-              <a:lnSpc>
-                <a:spcPct val="100000"/>
-              </a:lnSpc>
-              <a:spcBef>
-                <a:spcPts val="0"/>
-              </a:spcBef>
-              <a:spcAft>
-                <a:spcPts val="0"/>
-              </a:spcAft>
-              <a:buClrTx/>
-              <a:buSzTx/>
-              <a:buFont typeface="Arial"/>
-              <a:buNone/>
-              <a:defRPr/>
-            </a:pPr>
-            <a:r>
-              <a:rPr lang="ru-RU" sz="3600" b="0" i="1" u="none" strike="noStrike" cap="none" spc="0" dirty="0" smtClean="0">
-                <a:ln>
-                  <a:noFill/>
-                </a:ln>
-                <a:solidFill>
-                  <a:srgbClr val="333F48"/>
-                </a:solidFill>
-                <a:latin typeface="+mn-lt"/>
-                <a:ea typeface="+mn-ea"/>
-                <a:cs typeface="SB Sans Text Light"/>
-              </a:rPr>
-              <a:t>Студент</a:t>
-            </a:r>
-            <a:r>
-              <a:rPr lang="ru-RU" sz="3600" b="0" i="1" u="none" strike="noStrike" cap="none" spc="0" dirty="0">
-                <a:ln>
-                  <a:noFill/>
-                </a:ln>
-                <a:solidFill>
-                  <a:srgbClr val="333F48"/>
-                </a:solidFill>
-                <a:latin typeface="+mn-lt"/>
-                <a:ea typeface="+mn-ea"/>
-                <a:cs typeface="SB Sans Text Light"/>
-              </a:rPr>
-              <a:t>: </a:t>
-            </a:r>
-            <a:r>
-              <a:rPr lang="ru-RU" sz="3600" b="0" i="1" u="none" strike="noStrike" cap="none" spc="0" dirty="0" smtClean="0">
-                <a:ln>
-                  <a:noFill/>
-                </a:ln>
-                <a:solidFill>
-                  <a:srgbClr val="333F48"/>
-                </a:solidFill>
-                <a:latin typeface="+mn-lt"/>
-                <a:ea typeface="+mn-ea"/>
-                <a:cs typeface="SB Sans Text Light"/>
-              </a:rPr>
-              <a:t>Калашников Никита Калашников  </a:t>
-            </a:r>
-            <a:endParaRPr lang="ru-RU" sz="3600" b="0" i="1" u="none" strike="noStrike" cap="none" spc="0" dirty="0">
-              <a:ln>
-                <a:noFill/>
-              </a:ln>
-              <a:solidFill>
-                <a:srgbClr val="333F48"/>
-              </a:solidFill>
-              <a:latin typeface="+mn-lt"/>
-              <a:ea typeface="+mn-ea"/>
-              <a:cs typeface="SB Sans Text Light"/>
-            </a:endParaRPr>
-          </a:p>
-        </p:txBody>
-      </p:sp>
-      <p:sp>
-        <p:nvSpPr>
-          <p:cNvPr id="8" name="TextBox 7">
-            <a:extLst>
-              <a:ext uri="{FF2B5EF4-FFF2-40B4-BE49-F238E27FC236}">
-                <a16:creationId xmlns:a16="http://schemas.microsoft.com/office/drawing/2014/main" id="{231DDADD-D012-4924-B434-0AFD0AB713F0}"/>
-              </a:ext>
-            </a:extLst>
-          </p:cNvPr>
-          <p:cNvSpPr txBox="1"/>
-          <p:nvPr/>
-        </p:nvSpPr>
-        <p:spPr>
-          <a:xfrm>
-            <a:off x="10488488" y="6292334"/>
-            <a:ext cx="1944216" cy="369332"/>
-          </a:xfrm>
-          <a:prstGeom prst="rect">
-            <a:avLst/>
-          </a:prstGeom>
-          <a:noFill/>
-        </p:spPr>
-        <p:txBody>
-          <a:bodyPr wrap="square">
-            <a:spAutoFit/>
-          </a:bodyPr>
-          <a:lstStyle/>
-          <a:p>
-            <a:pPr marL="0" marR="0" lvl="0" indent="0" algn="l" defTabSz="360000">
-              <a:lnSpc>
-                <a:spcPct val="100000"/>
-              </a:lnSpc>
-              <a:spcBef>
-                <a:spcPts val="0"/>
-              </a:spcBef>
-              <a:spcAft>
-                <a:spcPts val="0"/>
-              </a:spcAft>
-              <a:buClrTx/>
-              <a:buSzTx/>
-              <a:buFont typeface="Arial"/>
-              <a:buNone/>
-              <a:defRPr/>
-            </a:pPr>
-            <a:r>
-              <a:rPr lang="ru-RU" dirty="0" smtClean="0">
-                <a:solidFill>
-                  <a:srgbClr val="333F48"/>
-                </a:solidFill>
-                <a:latin typeface="SB Sans Text Light"/>
-                <a:cs typeface="SB Sans Text Light"/>
-              </a:rPr>
-              <a:t>дата</a:t>
-            </a:r>
-            <a:endParaRPr lang="ru-RU" sz="1800" b="0" i="0" u="none" strike="noStrike" cap="none" spc="0" dirty="0">
-              <a:ln>
-                <a:noFill/>
-              </a:ln>
-              <a:solidFill>
-                <a:srgbClr val="333F48"/>
-              </a:solidFill>
-              <a:latin typeface="SB Sans Text Light"/>
-              <a:ea typeface="+mn-ea"/>
-              <a:cs typeface="SB Sans Text Light"/>
-            </a:endParaRPr>
-          </a:p>
-        </p:txBody>
-      </p:sp>
-      <p:sp>
-        <p:nvSpPr>
-          <p:cNvPr id="2" name="Прямоугольник 1"/>
-          <p:cNvSpPr/>
-          <p:nvPr/>
-        </p:nvSpPr>
-        <p:spPr>
-          <a:xfrm>
-            <a:off x="574652" y="2167352"/>
-            <a:ext cx="10668136" cy="2554545"/>
-          </a:xfrm>
-          <a:prstGeom prst="rect">
-            <a:avLst/>
-          </a:prstGeom>
-        </p:spPr>
-        <p:txBody>
-          <a:bodyPr wrap="square">
-            <a:spAutoFit/>
-          </a:bodyPr>
-          <a:lstStyle/>
-          <a:p>
-            <a:pPr>
-              <a:defRPr/>
-            </a:pPr>
-            <a:r>
-              <a:rPr lang="ru-RU" sz="4000" i="1" dirty="0" smtClean="0">
-                <a:solidFill>
-                  <a:srgbClr val="333F48"/>
-                </a:solidFill>
-                <a:cs typeface="SB Sans Display Semibold"/>
-              </a:rPr>
-              <a:t>Курсовая работа – </a:t>
-            </a:r>
-            <a:r>
-              <a:rPr lang="ru-RU" sz="4000" i="1" dirty="0"/>
-              <a:t>Автоматическая рассылка уведомлений клиентам банка о завершении срока действия их банковских карт.</a:t>
-            </a:r>
-          </a:p>
-          <a:p>
-            <a:pPr lvl="0">
-              <a:defRPr/>
-            </a:pPr>
-            <a:endParaRPr lang="ru-RU" sz="4000" b="1" i="1" dirty="0"/>
-          </a:p>
-        </p:txBody>
-      </p:sp>
-    </p:spTree>
-  </p:cSld>
-  <p:clrMapOvr>
-    <a:masterClrMapping/>
-  </p:clrMapOvr>
-</p:sld>
-</file>
-
-<file path=ppt/slides/slide10.xml><?xml version="1.0" encoding="utf-8"?>
-<p:sld xmlns:a="http://schemas.openxmlformats.org/drawingml/2006/main" xmlns:r="http://schemas.openxmlformats.org/officeDocument/2006/relationships" xmlns:p="http://schemas.openxmlformats.org/presentationml/2006/main">
-  <p:cSld>
-    <p:spTree>
-      <p:nvGrpSpPr>
-        <p:cNvPr id="1" name=""/>
-        <p:cNvGrpSpPr/>
-        <p:nvPr/>
-      </p:nvGrpSpPr>
-      <p:grpSpPr>
-        <a:xfrm>
-          <a:off x="0" y="0"/>
-          <a:ext cx="0" cy="0"/>
-          <a:chOff x="0" y="0"/>
-          <a:chExt cx="0" cy="0"/>
-        </a:xfrm>
-      </p:grpSpPr>
-      <p:sp>
-        <p:nvSpPr>
-          <p:cNvPr id="2" name="Заголовок 1"/>
-          <p:cNvSpPr>
-            <a:spLocks noGrp="1"/>
-          </p:cNvSpPr>
-          <p:nvPr>
-            <p:ph type="title"/>
-          </p:nvPr>
-        </p:nvSpPr>
-        <p:spPr>
-          <a:xfrm>
-            <a:off x="3071664" y="404664"/>
-            <a:ext cx="10728324" cy="1325563"/>
-          </a:xfrm>
-        </p:spPr>
-        <p:txBody>
-          <a:bodyPr>
-            <a:normAutofit/>
-          </a:bodyPr>
-          <a:lstStyle/>
-          <a:p>
-            <a:r>
-              <a:rPr lang="ru-RU" sz="2400" dirty="0" smtClean="0"/>
-              <a:t>Страница создания нового клиента.</a:t>
-            </a:r>
-            <a:endParaRPr lang="ru-RU" sz="2400" dirty="0"/>
-          </a:p>
-        </p:txBody>
-      </p:sp>
-      <p:pic>
-        <p:nvPicPr>
-          <p:cNvPr id="3" name="Рисунок 2"/>
-          <p:cNvPicPr>
-            <a:picLocks noChangeAspect="1"/>
-          </p:cNvPicPr>
-          <p:nvPr/>
-        </p:nvPicPr>
-        <p:blipFill>
-          <a:blip r:embed="rId2">
-            <a:extLst>
-              <a:ext uri="{28A0092B-C50C-407E-A947-70E740481C1C}">
-                <a14:useLocalDpi xmlns:a14="http://schemas.microsoft.com/office/drawing/2010/main" val="0"/>
-              </a:ext>
-            </a:extLst>
-          </a:blip>
-          <a:stretch>
-            <a:fillRect/>
-          </a:stretch>
-        </p:blipFill>
-        <p:spPr>
-          <a:xfrm>
-            <a:off x="3791744" y="2060848"/>
-            <a:ext cx="3857625" cy="2247900"/>
-          </a:xfrm>
-          <a:prstGeom prst="rect">
-            <a:avLst/>
-          </a:prstGeom>
-        </p:spPr>
-      </p:pic>
-    </p:spTree>
-    <p:extLst>
-      <p:ext uri="{BB962C8B-B14F-4D97-AF65-F5344CB8AC3E}">
-        <p14:creationId xmlns:p14="http://schemas.microsoft.com/office/powerpoint/2010/main" val="4254082888"/>
-      </p:ext>
-    </p:extLst>
-  </p:cSld>
-  <p:clrMapOvr>
-    <a:masterClrMapping/>
-  </p:clrMapOvr>
-</p:sld>
-</file>
-
-<file path=ppt/slides/slide11.xml><?xml version="1.0" encoding="utf-8"?>
-<p:sld xmlns:a="http://schemas.openxmlformats.org/drawingml/2006/main" xmlns:r="http://schemas.openxmlformats.org/officeDocument/2006/relationships" xmlns:p="http://schemas.openxmlformats.org/presentationml/2006/main">
-  <p:cSld>
-    <p:spTree>
-      <p:nvGrpSpPr>
-        <p:cNvPr id="1" name=""/>
-        <p:cNvGrpSpPr/>
-        <p:nvPr/>
-      </p:nvGrpSpPr>
-      <p:grpSpPr>
-        <a:xfrm>
-          <a:off x="0" y="0"/>
-          <a:ext cx="0" cy="0"/>
-          <a:chOff x="0" y="0"/>
-          <a:chExt cx="0" cy="0"/>
-        </a:xfrm>
-      </p:grpSpPr>
-      <p:sp>
-        <p:nvSpPr>
-          <p:cNvPr id="3" name="Заголовок 1"/>
-          <p:cNvSpPr>
-            <a:spLocks noGrp="1"/>
-          </p:cNvSpPr>
-          <p:nvPr>
-            <p:ph type="title"/>
-          </p:nvPr>
-        </p:nvSpPr>
-        <p:spPr>
-          <a:xfrm>
-            <a:off x="1559496" y="332656"/>
-            <a:ext cx="10728324" cy="1325563"/>
-          </a:xfrm>
-        </p:spPr>
-        <p:txBody>
-          <a:bodyPr>
-            <a:normAutofit/>
-          </a:bodyPr>
-          <a:lstStyle/>
-          <a:p>
-            <a:r>
-              <a:rPr lang="ru-RU" sz="2400" dirty="0" smtClean="0"/>
-              <a:t>Страница для просмотра, создания и удаления карт.</a:t>
-            </a:r>
-            <a:endParaRPr lang="ru-RU" sz="2400" dirty="0"/>
-          </a:p>
-        </p:txBody>
-      </p:sp>
-      <p:pic>
-        <p:nvPicPr>
-          <p:cNvPr id="4" name="Рисунок 3"/>
-          <p:cNvPicPr>
-            <a:picLocks noChangeAspect="1"/>
-          </p:cNvPicPr>
-          <p:nvPr/>
-        </p:nvPicPr>
-        <p:blipFill>
-          <a:blip r:embed="rId2">
-            <a:extLst>
-              <a:ext uri="{28A0092B-C50C-407E-A947-70E740481C1C}">
-                <a14:useLocalDpi xmlns:a14="http://schemas.microsoft.com/office/drawing/2010/main" val="0"/>
-              </a:ext>
-            </a:extLst>
-          </a:blip>
-          <a:stretch>
-            <a:fillRect/>
-          </a:stretch>
-        </p:blipFill>
-        <p:spPr>
-          <a:xfrm>
-            <a:off x="1343472" y="1772816"/>
-            <a:ext cx="9029700" cy="3343275"/>
-          </a:xfrm>
-          <a:prstGeom prst="rect">
-            <a:avLst/>
-          </a:prstGeom>
-        </p:spPr>
-      </p:pic>
-    </p:spTree>
-    <p:extLst>
-      <p:ext uri="{BB962C8B-B14F-4D97-AF65-F5344CB8AC3E}">
-        <p14:creationId xmlns:p14="http://schemas.microsoft.com/office/powerpoint/2010/main" val="3107528184"/>
-      </p:ext>
-    </p:extLst>
-  </p:cSld>
-  <p:clrMapOvr>
-    <a:masterClrMapping/>
-  </p:clrMapOvr>
-</p:sld>
-</file>
-
-<file path=ppt/slides/slide12.xml><?xml version="1.0" encoding="utf-8"?>
-<p:sld xmlns:a="http://schemas.openxmlformats.org/drawingml/2006/main" xmlns:r="http://schemas.openxmlformats.org/officeDocument/2006/relationships" xmlns:p="http://schemas.openxmlformats.org/presentationml/2006/main" showMasterPhAnim="0">
-  <p:cSld>
-    <p:spTree>
-      <p:nvGrpSpPr>
-        <p:cNvPr id="1" name=""/>
-        <p:cNvGrpSpPr/>
-        <p:nvPr/>
-      </p:nvGrpSpPr>
-      <p:grpSpPr bwMode="auto">
-        <a:xfrm>
-          <a:off x="0" y="0"/>
-          <a:ext cx="0" cy="0"/>
-          <a:chOff x="0" y="0"/>
-          <a:chExt cx="0" cy="0"/>
-        </a:xfrm>
-      </p:grpSpPr>
-      <p:sp>
-        <p:nvSpPr>
-          <p:cNvPr id="4" name="Заголовок 4"/>
-          <p:cNvSpPr>
-            <a:spLocks/>
-          </p:cNvSpPr>
-          <p:nvPr/>
-        </p:nvSpPr>
-        <p:spPr bwMode="auto">
-          <a:xfrm>
-            <a:off x="462443" y="2996952"/>
-            <a:ext cx="11161240" cy="1326541"/>
-          </a:xfrm>
-          <a:prstGeom prst="rect">
-            <a:avLst/>
-          </a:prstGeom>
-        </p:spPr>
-        <p:txBody>
-          <a:bodyPr vert="horz" lIns="0" tIns="0" rIns="0" bIns="0" anchor="t" anchorCtr="0"/>
-          <a:lstStyle>
-            <a:lvl1pPr>
-              <a:defRPr sz="6000" b="0" i="0">
-                <a:latin typeface="SB Sans Display Light"/>
-                <a:ea typeface="+mj-ea"/>
-                <a:cs typeface="SB Sans Display Light"/>
-              </a:defRPr>
-            </a:lvl1pPr>
-          </a:lstStyle>
-          <a:p>
-            <a:pPr algn="ctr">
-              <a:defRPr/>
-            </a:pPr>
-            <a:r>
-              <a:rPr lang="ru-RU" sz="5400" b="1" dirty="0">
-                <a:solidFill>
-                  <a:srgbClr val="333F48"/>
-                </a:solidFill>
-                <a:latin typeface="SB Sans Display Semibold"/>
-              </a:rPr>
-              <a:t>Спасибо за внимание!</a:t>
-            </a:r>
-            <a:r>
-              <a:rPr lang="en-US" sz="6000" i="0" u="none" strike="noStrike" cap="none" spc="0" dirty="0">
-                <a:ln>
-                  <a:noFill/>
-                </a:ln>
-                <a:solidFill>
-                  <a:srgbClr val="333F48"/>
-                </a:solidFill>
-                <a:latin typeface="SB Sans Display Light"/>
-                <a:ea typeface="+mj-ea"/>
-                <a:cs typeface="SB Sans Display Light"/>
-              </a:rPr>
-              <a:t> </a:t>
-            </a:r>
-            <a:endParaRPr lang="ru-RU" sz="1600" dirty="0"/>
-          </a:p>
-          <a:p>
-            <a:pPr marL="0" marR="0" lvl="0" indent="0" algn="ctr" defTabSz="914400">
-              <a:lnSpc>
-                <a:spcPct val="100000"/>
-              </a:lnSpc>
-              <a:spcBef>
-                <a:spcPts val="0"/>
-              </a:spcBef>
-              <a:spcAft>
-                <a:spcPts val="0"/>
-              </a:spcAft>
-              <a:buClrTx/>
-              <a:buSzTx/>
-              <a:buFontTx/>
-              <a:buNone/>
-              <a:defRPr/>
-            </a:pPr>
-            <a:endParaRPr lang="ru-RU" dirty="0"/>
-          </a:p>
-        </p:txBody>
-      </p:sp>
-    </p:spTree>
-    <p:extLst>
-      <p:ext uri="{BB962C8B-B14F-4D97-AF65-F5344CB8AC3E}">
-        <p14:creationId xmlns:p14="http://schemas.microsoft.com/office/powerpoint/2010/main" val="1458184671"/>
-      </p:ext>
-    </p:extLst>
-  </p:cSld>
-  <p:clrMapOvr>
-    <a:masterClrMapping/>
-  </p:clrMapOvr>
-</p:sld>
-</file>
-
-<file path=ppt/slides/slide2.xml><?xml version="1.0" encoding="utf-8"?>
-<p:sld xmlns:a="http://schemas.openxmlformats.org/drawingml/2006/main" xmlns:r="http://schemas.openxmlformats.org/officeDocument/2006/relationships" xmlns:p="http://schemas.openxmlformats.org/presentationml/2006/main" showMasterPhAnim="0">
-  <p:cSld>
-    <p:spTree>
-      <p:nvGrpSpPr>
-        <p:cNvPr id="1" name=""/>
-        <p:cNvGrpSpPr/>
-        <p:nvPr/>
-      </p:nvGrpSpPr>
-      <p:grpSpPr bwMode="auto">
-        <a:xfrm>
-          <a:off x="0" y="0"/>
-          <a:ext cx="0" cy="0"/>
-          <a:chOff x="0" y="0"/>
-          <a:chExt cx="0" cy="0"/>
-        </a:xfrm>
-      </p:grpSpPr>
-      <p:sp>
-        <p:nvSpPr>
-          <p:cNvPr id="6" name="Title 7"/>
-          <p:cNvSpPr>
-            <a:spLocks/>
-          </p:cNvSpPr>
-          <p:nvPr/>
-        </p:nvSpPr>
-        <p:spPr bwMode="auto">
-          <a:xfrm>
-            <a:off x="6894178" y="526057"/>
-            <a:ext cx="5348710" cy="2438400"/>
-          </a:xfrm>
-          <a:prstGeom prst="rect">
-            <a:avLst/>
-          </a:prstGeom>
-        </p:spPr>
-        <p:txBody>
-          <a:bodyPr lIns="0" tIns="0" rIns="0" bIns="0"/>
-          <a:lstStyle>
-            <a:lvl1pPr algn="l" defTabSz="914400">
-              <a:lnSpc>
-                <a:spcPct val="90000"/>
-              </a:lnSpc>
-              <a:spcBef>
-                <a:spcPts val="0"/>
-              </a:spcBef>
-              <a:buNone/>
-              <a:defRPr sz="4400" b="0" i="0">
-                <a:solidFill>
-                  <a:schemeClr val="tx1"/>
-                </a:solidFill>
-                <a:latin typeface="SB Sans Display Regular"/>
-                <a:ea typeface="+mj-ea"/>
-                <a:cs typeface="+mj-cs"/>
-              </a:defRPr>
-            </a:lvl1pPr>
-          </a:lstStyle>
-          <a:p>
-            <a:pPr>
-              <a:lnSpc>
-                <a:spcPct val="100000"/>
-              </a:lnSpc>
-              <a:defRPr/>
-            </a:pPr>
-            <a:r>
-              <a:rPr lang="ru-RU" sz="2000" dirty="0" smtClean="0">
-                <a:solidFill>
-                  <a:srgbClr val="333F48"/>
-                </a:solidFill>
-                <a:latin typeface="+mn-lt"/>
-              </a:rPr>
-              <a:t>Калашников Никита Калашников</a:t>
-            </a:r>
-            <a:endParaRPr sz="2000" i="1" dirty="0">
-              <a:latin typeface="+mn-lt"/>
-            </a:endParaRPr>
-          </a:p>
-        </p:txBody>
-      </p:sp>
-      <p:pic>
-        <p:nvPicPr>
-          <p:cNvPr id="17" name="Рисунок 2">
-            <a:extLst>
-              <a:ext uri="{FF2B5EF4-FFF2-40B4-BE49-F238E27FC236}">
-                <a16:creationId xmlns:a16="http://schemas.microsoft.com/office/drawing/2014/main" id="{0DCCFB52-7D2B-4BA7-8FE3-E7C19E143E4E}"/>
-              </a:ext>
-            </a:extLst>
-          </p:cNvPr>
-          <p:cNvPicPr>
-            <a:picLocks noChangeAspect="1"/>
-          </p:cNvPicPr>
-          <p:nvPr/>
-        </p:nvPicPr>
-        <p:blipFill>
-          <a:blip r:embed="rId2"/>
-          <a:srcRect l="28944" t="28773" r="16232" b="18899"/>
-          <a:stretch/>
-        </p:blipFill>
-        <p:spPr bwMode="auto">
-          <a:xfrm rot="16199999">
-            <a:off x="6736997" y="1779851"/>
-            <a:ext cx="768257" cy="733293"/>
-          </a:xfrm>
-          <a:prstGeom prst="rect">
-            <a:avLst/>
-          </a:prstGeom>
-        </p:spPr>
-      </p:pic>
-      <p:sp>
-        <p:nvSpPr>
-          <p:cNvPr id="20" name="object 26">
-            <a:extLst>
-              <a:ext uri="{FF2B5EF4-FFF2-40B4-BE49-F238E27FC236}">
-                <a16:creationId xmlns:a16="http://schemas.microsoft.com/office/drawing/2014/main" id="{4DE54BB7-929A-4B8A-9DA0-D0EEC7053A84}"/>
-              </a:ext>
-            </a:extLst>
-          </p:cNvPr>
-          <p:cNvSpPr>
-            <a:spLocks/>
-          </p:cNvSpPr>
-          <p:nvPr/>
-        </p:nvSpPr>
-        <p:spPr bwMode="auto">
-          <a:xfrm>
-            <a:off x="7896200" y="2047278"/>
-            <a:ext cx="3816424" cy="323422"/>
-          </a:xfrm>
-          <a:prstGeom prst="rect">
-            <a:avLst/>
-          </a:prstGeom>
-        </p:spPr>
-        <p:txBody>
-          <a:bodyPr vert="horz" wrap="square" lIns="0" tIns="6350" rIns="0" bIns="0" rtlCol="0">
-            <a:spAutoFit/>
-          </a:bodyPr>
-          <a:lstStyle/>
-          <a:p>
-            <a:pPr marL="12700" marR="5080">
-              <a:lnSpc>
-                <a:spcPct val="103299"/>
-              </a:lnSpc>
-              <a:spcBef>
-                <a:spcPts val="50"/>
-              </a:spcBef>
-              <a:defRPr/>
-            </a:pPr>
-            <a:r>
-              <a:rPr lang="ru-RU" sz="2000" spc="-5" dirty="0">
-                <a:cs typeface="SBSansText-Light"/>
-              </a:rPr>
-              <a:t>Готов к </a:t>
-            </a:r>
-            <a:r>
-              <a:rPr lang="ru-RU" sz="2000" spc="-5" dirty="0" smtClean="0">
-                <a:cs typeface="SBSansText-Light"/>
-              </a:rPr>
-              <a:t>командировкам</a:t>
-            </a:r>
-            <a:endParaRPr lang="ru-RU" sz="2000" spc="-5" dirty="0">
-              <a:cs typeface="SBSansText-Light"/>
-            </a:endParaRPr>
-          </a:p>
-        </p:txBody>
-      </p:sp>
-      <p:pic>
-        <p:nvPicPr>
-          <p:cNvPr id="22" name="Рисунок 12">
-            <a:extLst>
-              <a:ext uri="{FF2B5EF4-FFF2-40B4-BE49-F238E27FC236}">
-                <a16:creationId xmlns:a16="http://schemas.microsoft.com/office/drawing/2014/main" id="{436EC55F-517B-4FC1-85F8-ED7FCD662E5D}"/>
-              </a:ext>
-            </a:extLst>
-          </p:cNvPr>
-          <p:cNvPicPr>
-            <a:picLocks noChangeAspect="1"/>
-          </p:cNvPicPr>
-          <p:nvPr/>
-        </p:nvPicPr>
-        <p:blipFill>
-          <a:blip r:embed="rId3"/>
-          <a:srcRect l="24003" t="24797" r="21644" b="15908"/>
-          <a:stretch/>
-        </p:blipFill>
-        <p:spPr bwMode="auto">
-          <a:xfrm rot="16199999">
-            <a:off x="6813321" y="1076259"/>
-            <a:ext cx="672171" cy="733291"/>
-          </a:xfrm>
-          <a:prstGeom prst="rect">
-            <a:avLst/>
-          </a:prstGeom>
-        </p:spPr>
-      </p:pic>
-      <p:sp>
-        <p:nvSpPr>
-          <p:cNvPr id="23" name="object 26">
-            <a:extLst>
-              <a:ext uri="{FF2B5EF4-FFF2-40B4-BE49-F238E27FC236}">
-                <a16:creationId xmlns:a16="http://schemas.microsoft.com/office/drawing/2014/main" id="{A8F6E936-17AA-460E-A5F3-7295B64C51D9}"/>
-              </a:ext>
-            </a:extLst>
-          </p:cNvPr>
-          <p:cNvSpPr>
-            <a:spLocks/>
-          </p:cNvSpPr>
-          <p:nvPr/>
-        </p:nvSpPr>
-        <p:spPr bwMode="auto">
-          <a:xfrm>
-            <a:off x="7860166" y="1305160"/>
-            <a:ext cx="3502449" cy="323422"/>
-          </a:xfrm>
-          <a:prstGeom prst="rect">
-            <a:avLst/>
-          </a:prstGeom>
-        </p:spPr>
-        <p:txBody>
-          <a:bodyPr vert="horz" wrap="square" lIns="0" tIns="6350" rIns="0" bIns="0" rtlCol="0">
-            <a:spAutoFit/>
-          </a:bodyPr>
-          <a:lstStyle/>
-          <a:p>
-            <a:pPr marL="12700" marR="5080">
-              <a:lnSpc>
-                <a:spcPct val="103299"/>
-              </a:lnSpc>
-              <a:spcBef>
-                <a:spcPts val="50"/>
-              </a:spcBef>
-              <a:defRPr/>
-            </a:pPr>
-            <a:r>
-              <a:rPr lang="ru-RU" sz="2000" spc="-5" dirty="0" smtClean="0">
-                <a:cs typeface="SBSansText-Light"/>
-              </a:rPr>
-              <a:t>Ростов-на-Дону</a:t>
-            </a:r>
-            <a:endParaRPr lang="ru-RU" sz="2000" spc="-5" dirty="0">
-              <a:cs typeface="SBSansText-Light"/>
-            </a:endParaRPr>
-          </a:p>
-        </p:txBody>
-      </p:sp>
-      <p:pic>
-        <p:nvPicPr>
-          <p:cNvPr id="24" name="Рисунок 23">
-            <a:extLst>
-              <a:ext uri="{FF2B5EF4-FFF2-40B4-BE49-F238E27FC236}">
-                <a16:creationId xmlns:a16="http://schemas.microsoft.com/office/drawing/2014/main" id="{C8D1253D-2E3F-4357-A3C7-FF90F8F21EDF}"/>
-              </a:ext>
-            </a:extLst>
-          </p:cNvPr>
-          <p:cNvPicPr>
-            <a:picLocks noChangeAspect="1"/>
-          </p:cNvPicPr>
-          <p:nvPr/>
-        </p:nvPicPr>
-        <p:blipFill>
-          <a:blip r:embed="rId4"/>
-          <a:srcRect l="19438" t="26096" r="19808" b="21575"/>
-          <a:stretch/>
-        </p:blipFill>
-        <p:spPr bwMode="auto">
-          <a:xfrm rot="16199999">
-            <a:off x="6723068" y="2603597"/>
-            <a:ext cx="922315" cy="794412"/>
-          </a:xfrm>
-          <a:prstGeom prst="rect">
-            <a:avLst/>
-          </a:prstGeom>
-        </p:spPr>
-      </p:pic>
-      <p:sp>
-        <p:nvSpPr>
-          <p:cNvPr id="25" name="object 26">
-            <a:extLst>
-              <a:ext uri="{FF2B5EF4-FFF2-40B4-BE49-F238E27FC236}">
-                <a16:creationId xmlns:a16="http://schemas.microsoft.com/office/drawing/2014/main" id="{00AF5FF0-543F-426D-85A1-4D4DBAB934D8}"/>
-              </a:ext>
-            </a:extLst>
-          </p:cNvPr>
-          <p:cNvSpPr>
-            <a:spLocks/>
-          </p:cNvSpPr>
-          <p:nvPr/>
-        </p:nvSpPr>
-        <p:spPr bwMode="auto">
-          <a:xfrm>
-            <a:off x="7826936" y="2809729"/>
-            <a:ext cx="4590791" cy="323422"/>
-          </a:xfrm>
-          <a:prstGeom prst="rect">
-            <a:avLst/>
-          </a:prstGeom>
-        </p:spPr>
-        <p:txBody>
-          <a:bodyPr vert="horz" wrap="square" lIns="0" tIns="6350" rIns="0" bIns="0" rtlCol="0">
-            <a:spAutoFit/>
-          </a:bodyPr>
-          <a:lstStyle/>
-          <a:p>
-            <a:pPr marL="12700" marR="5080">
-              <a:lnSpc>
-                <a:spcPct val="103299"/>
-              </a:lnSpc>
-              <a:spcBef>
-                <a:spcPts val="50"/>
-              </a:spcBef>
-              <a:defRPr/>
-            </a:pPr>
-            <a:r>
-              <a:rPr lang="ru-RU" sz="2000" spc="-5" dirty="0" smtClean="0">
-                <a:cs typeface="SBSansText-Light"/>
-              </a:rPr>
-              <a:t>Высшее </a:t>
-            </a:r>
-            <a:r>
-              <a:rPr lang="ru-RU" sz="2000" spc="-5" dirty="0">
-                <a:cs typeface="SBSansText-Light"/>
-              </a:rPr>
-              <a:t>техническое образование</a:t>
-            </a:r>
-          </a:p>
-        </p:txBody>
-      </p:sp>
-      <p:sp>
-        <p:nvSpPr>
-          <p:cNvPr id="15" name="TextBox 14">
-            <a:extLst>
-              <a:ext uri="{FF2B5EF4-FFF2-40B4-BE49-F238E27FC236}">
-                <a16:creationId xmlns:a16="http://schemas.microsoft.com/office/drawing/2014/main" id="{F4B1282C-1EE6-4516-8528-4C3B699AF9DB}"/>
-              </a:ext>
-            </a:extLst>
-          </p:cNvPr>
-          <p:cNvSpPr txBox="1"/>
-          <p:nvPr/>
-        </p:nvSpPr>
-        <p:spPr>
-          <a:xfrm>
-            <a:off x="7762215" y="4985950"/>
-            <a:ext cx="3600400" cy="707886"/>
-          </a:xfrm>
-          <a:prstGeom prst="rect">
-            <a:avLst/>
-          </a:prstGeom>
-          <a:noFill/>
-        </p:spPr>
-        <p:txBody>
-          <a:bodyPr wrap="square">
-            <a:spAutoFit/>
-          </a:bodyPr>
-          <a:lstStyle/>
-          <a:p>
-            <a:pPr lvl="0" defTabSz="360000">
-              <a:defRPr/>
-            </a:pPr>
-            <a:r>
-              <a:rPr lang="en-US" sz="2000" dirty="0" smtClean="0">
-                <a:solidFill>
-                  <a:srgbClr val="333F48"/>
-                </a:solidFill>
-                <a:cs typeface="SB Sans Text Light"/>
-              </a:rPr>
-              <a:t>Email</a:t>
-            </a:r>
-            <a:r>
-              <a:rPr lang="ru-RU" sz="2000" dirty="0" smtClean="0">
-                <a:solidFill>
-                  <a:srgbClr val="333F48"/>
-                </a:solidFill>
-                <a:cs typeface="SB Sans Text Light"/>
-              </a:rPr>
-              <a:t>:</a:t>
-            </a:r>
-            <a:r>
-              <a:rPr lang="en-US" sz="2000" dirty="0" smtClean="0">
-                <a:solidFill>
-                  <a:srgbClr val="333F48"/>
-                </a:solidFill>
-                <a:cs typeface="SB Sans Text Light"/>
-              </a:rPr>
-              <a:t> </a:t>
-            </a:r>
-            <a:r>
-              <a:rPr lang="en-US" sz="2000" dirty="0" smtClean="0">
-                <a:solidFill>
-                  <a:srgbClr val="333F48"/>
-                </a:solidFill>
-                <a:cs typeface="SB Sans Text Light"/>
-              </a:rPr>
-              <a:t>katpat777@yandex.ru</a:t>
-            </a:r>
-            <a:endParaRPr lang="ru-RU" sz="2000" dirty="0">
-              <a:solidFill>
-                <a:srgbClr val="333F48"/>
-              </a:solidFill>
-              <a:cs typeface="SB Sans Text Light"/>
-            </a:endParaRPr>
-          </a:p>
-          <a:p>
-            <a:pPr lvl="0" defTabSz="360000">
-              <a:defRPr/>
-            </a:pPr>
-            <a:r>
-              <a:rPr lang="en-US" sz="2000" dirty="0" smtClean="0">
-                <a:solidFill>
-                  <a:srgbClr val="333F48"/>
-                </a:solidFill>
-                <a:cs typeface="SB Sans Text Light"/>
-              </a:rPr>
-              <a:t>Mob</a:t>
-            </a:r>
-            <a:r>
-              <a:rPr lang="ru-RU" sz="2000" dirty="0" smtClean="0">
-                <a:solidFill>
-                  <a:srgbClr val="333F48"/>
-                </a:solidFill>
-                <a:cs typeface="SB Sans Text Light"/>
-              </a:rPr>
-              <a:t>:   89045034635</a:t>
-            </a:r>
-            <a:endParaRPr lang="ru-RU" sz="2000" dirty="0">
-              <a:solidFill>
-                <a:srgbClr val="333F48"/>
-              </a:solidFill>
-              <a:cs typeface="SB Sans Text Light"/>
-            </a:endParaRPr>
-          </a:p>
-        </p:txBody>
-      </p:sp>
-      <p:pic>
-        <p:nvPicPr>
-          <p:cNvPr id="16" name="Рисунок 15">
-            <a:extLst>
-              <a:ext uri="{FF2B5EF4-FFF2-40B4-BE49-F238E27FC236}">
-                <a16:creationId xmlns:a16="http://schemas.microsoft.com/office/drawing/2014/main" id="{5AE95B28-B2FC-43A5-8B6E-FD95AA24B1B8}"/>
-              </a:ext>
-            </a:extLst>
-          </p:cNvPr>
-          <p:cNvPicPr>
-            <a:picLocks noChangeAspect="1"/>
-          </p:cNvPicPr>
-          <p:nvPr/>
-        </p:nvPicPr>
-        <p:blipFill>
-          <a:blip r:embed="rId5"/>
-          <a:srcRect l="21533"/>
-          <a:stretch/>
-        </p:blipFill>
-        <p:spPr bwMode="auto">
-          <a:xfrm rot="16199999">
-            <a:off x="6617804" y="4498295"/>
-            <a:ext cx="1214224" cy="1270501"/>
-          </a:xfrm>
-          <a:prstGeom prst="rect">
-            <a:avLst/>
-          </a:prstGeom>
-        </p:spPr>
-      </p:pic>
-      <p:sp>
-        <p:nvSpPr>
-          <p:cNvPr id="19" name="TextBox 35">
-            <a:extLst>
-              <a:ext uri="{FF2B5EF4-FFF2-40B4-BE49-F238E27FC236}">
-                <a16:creationId xmlns:a16="http://schemas.microsoft.com/office/drawing/2014/main" id="{5E112C23-3247-4750-B14A-943A305AE855}"/>
-              </a:ext>
-            </a:extLst>
-          </p:cNvPr>
-          <p:cNvSpPr>
-            <a:spLocks/>
-          </p:cNvSpPr>
-          <p:nvPr/>
-        </p:nvSpPr>
-        <p:spPr bwMode="auto">
-          <a:xfrm>
-            <a:off x="6912756" y="3579984"/>
-            <a:ext cx="1374507" cy="738664"/>
-          </a:xfrm>
-          <a:prstGeom prst="rect">
-            <a:avLst/>
-          </a:prstGeom>
-          <a:noFill/>
-        </p:spPr>
-        <p:txBody>
-          <a:bodyPr wrap="square" lIns="0" tIns="0" rIns="0" bIns="0" rtlCol="0">
-            <a:spAutoFit/>
-          </a:bodyPr>
-          <a:lstStyle/>
-          <a:p>
-            <a:pPr marL="12700">
-              <a:lnSpc>
-                <a:spcPct val="100000"/>
-              </a:lnSpc>
-              <a:spcBef>
-                <a:spcPts val="100"/>
-              </a:spcBef>
-              <a:defRPr/>
-            </a:pPr>
-            <a:r>
-              <a:rPr lang="ru-RU" sz="4800" b="1" spc="-160" dirty="0" smtClean="0">
-                <a:gradFill>
-                  <a:gsLst>
-                    <a:gs pos="19000">
-                      <a:srgbClr val="FAED00"/>
-                    </a:gs>
-                    <a:gs pos="54000">
-                      <a:srgbClr val="00D900"/>
-                    </a:gs>
-                    <a:gs pos="89000">
-                      <a:srgbClr val="0FA8E0"/>
-                    </a:gs>
-                  </a:gsLst>
-                  <a:lin ang="19800000" scaled="0"/>
-                </a:gradFill>
-                <a:cs typeface="SB Sans Display Light"/>
-              </a:rPr>
-              <a:t>8+</a:t>
-            </a:r>
-            <a:endParaRPr lang="ru-RU" sz="4800" dirty="0">
-              <a:gradFill>
-                <a:gsLst>
-                  <a:gs pos="19000">
-                    <a:srgbClr val="FAED00"/>
-                  </a:gs>
-                  <a:gs pos="54000">
-                    <a:srgbClr val="00D900"/>
-                  </a:gs>
-                  <a:gs pos="89000">
-                    <a:srgbClr val="0FA8E0"/>
-                  </a:gs>
-                </a:gsLst>
-                <a:lin ang="19800000" scaled="0"/>
-              </a:gradFill>
-              <a:cs typeface="SB Sans Display Light"/>
-            </a:endParaRPr>
-          </a:p>
-        </p:txBody>
-      </p:sp>
-      <p:sp>
-        <p:nvSpPr>
-          <p:cNvPr id="27" name="object 26">
-            <a:extLst>
-              <a:ext uri="{FF2B5EF4-FFF2-40B4-BE49-F238E27FC236}">
-                <a16:creationId xmlns:a16="http://schemas.microsoft.com/office/drawing/2014/main" id="{D96035DE-DB7E-4A03-A568-62EAA55D76F0}"/>
-              </a:ext>
-            </a:extLst>
-          </p:cNvPr>
-          <p:cNvSpPr>
-            <a:spLocks/>
-          </p:cNvSpPr>
-          <p:nvPr/>
-        </p:nvSpPr>
-        <p:spPr bwMode="auto">
-          <a:xfrm>
-            <a:off x="7860166" y="3822182"/>
-            <a:ext cx="1800200" cy="323422"/>
-          </a:xfrm>
-          <a:prstGeom prst="rect">
-            <a:avLst/>
-          </a:prstGeom>
-        </p:spPr>
-        <p:txBody>
-          <a:bodyPr vert="horz" wrap="square" lIns="0" tIns="6350" rIns="0" bIns="0" rtlCol="0">
-            <a:spAutoFit/>
-          </a:bodyPr>
-          <a:lstStyle/>
-          <a:p>
-            <a:pPr marL="12700" marR="5080">
-              <a:lnSpc>
-                <a:spcPct val="103299"/>
-              </a:lnSpc>
-              <a:spcBef>
-                <a:spcPts val="50"/>
-              </a:spcBef>
-              <a:defRPr/>
-            </a:pPr>
-            <a:r>
-              <a:rPr lang="ru-RU" sz="2000" spc="-5" dirty="0">
-                <a:cs typeface="SBSansText-Light"/>
-              </a:rPr>
-              <a:t>Лет общий стаж</a:t>
-            </a:r>
-          </a:p>
-        </p:txBody>
-      </p:sp>
-      <p:pic>
-        <p:nvPicPr>
-          <p:cNvPr id="4" name="Рисунок 3"/>
-          <p:cNvPicPr>
-            <a:picLocks noChangeAspect="1"/>
-          </p:cNvPicPr>
-          <p:nvPr/>
-        </p:nvPicPr>
-        <p:blipFill>
-          <a:blip r:embed="rId6">
-            <a:extLst>
-              <a:ext uri="{28A0092B-C50C-407E-A947-70E740481C1C}">
-                <a14:useLocalDpi xmlns:a14="http://schemas.microsoft.com/office/drawing/2010/main" val="0"/>
-              </a:ext>
-            </a:extLst>
-          </a:blip>
-          <a:stretch>
-            <a:fillRect/>
-          </a:stretch>
-        </p:blipFill>
-        <p:spPr>
-          <a:xfrm>
-            <a:off x="289549" y="236896"/>
-            <a:ext cx="4811829" cy="6432926"/>
-          </a:xfrm>
-          <a:prstGeom prst="rect">
-            <a:avLst/>
-          </a:prstGeom>
-        </p:spPr>
-      </p:pic>
-    </p:spTree>
-  </p:cSld>
-  <p:clrMapOvr>
-    <a:masterClrMapping/>
-  </p:clrMapOvr>
-</p:sld>
-</file>
-
-<file path=ppt/slides/slide3.xml><?xml version="1.0" encoding="utf-8"?>
-<p:sld xmlns:a="http://schemas.openxmlformats.org/drawingml/2006/main" xmlns:r="http://schemas.openxmlformats.org/officeDocument/2006/relationships" xmlns:p="http://schemas.openxmlformats.org/presentationml/2006/main">
-  <p:cSld>
-    <p:spTree>
-      <p:nvGrpSpPr>
-        <p:cNvPr id="1" name=""/>
-        <p:cNvGrpSpPr/>
-        <p:nvPr/>
-      </p:nvGrpSpPr>
-      <p:grpSpPr>
-        <a:xfrm>
-          <a:off x="0" y="0"/>
-          <a:ext cx="0" cy="0"/>
-          <a:chOff x="0" y="0"/>
-          <a:chExt cx="0" cy="0"/>
-        </a:xfrm>
-      </p:grpSpPr>
-      <p:sp>
-        <p:nvSpPr>
-          <p:cNvPr id="2" name="Заголовок 1"/>
-          <p:cNvSpPr>
-            <a:spLocks noGrp="1"/>
-          </p:cNvSpPr>
-          <p:nvPr>
-            <p:ph type="title"/>
-          </p:nvPr>
-        </p:nvSpPr>
-        <p:spPr>
-          <a:xfrm>
-            <a:off x="1271464" y="2852936"/>
-            <a:ext cx="10728324" cy="1325563"/>
-          </a:xfrm>
-        </p:spPr>
-        <p:txBody>
-          <a:bodyPr>
-            <a:noAutofit/>
-          </a:bodyPr>
-          <a:lstStyle/>
-          <a:p>
-            <a:pPr fontAlgn="t"/>
-            <a:r>
-              <a:rPr lang="ru-RU" sz="1600" dirty="0"/>
-              <a:t>Опыт работы 8 лет 5 месяцев</a:t>
-            </a:r>
-            <a:br>
-              <a:rPr lang="ru-RU" sz="1600" dirty="0"/>
-            </a:br>
-            <a:r>
-              <a:rPr lang="ru-RU" sz="1600" dirty="0"/>
-              <a:t/>
-            </a:r>
-            <a:br>
-              <a:rPr lang="ru-RU" sz="1600" dirty="0"/>
-            </a:br>
-            <a:r>
-              <a:rPr lang="ru-RU" sz="1600" dirty="0"/>
-              <a:t>Август 2019 — по настоящее </a:t>
-            </a:r>
-            <a:r>
-              <a:rPr lang="ru-RU" sz="1600" dirty="0" smtClean="0"/>
-              <a:t>время</a:t>
-            </a:r>
-            <a:r>
-              <a:rPr lang="en-US" sz="1600" dirty="0" smtClean="0"/>
-              <a:t> </a:t>
-            </a:r>
-            <a:r>
-              <a:rPr lang="ru-RU" sz="1600" dirty="0" smtClean="0"/>
-              <a:t>2</a:t>
-            </a:r>
-            <a:r>
-              <a:rPr lang="ru-RU" sz="1600" dirty="0"/>
-              <a:t> года 4 месяца</a:t>
-            </a:r>
-            <a:br>
-              <a:rPr lang="ru-RU" sz="1600" dirty="0"/>
-            </a:br>
-            <a:r>
-              <a:rPr lang="ru-RU" sz="1600" b="1" dirty="0"/>
-              <a:t>ФГУП "РНИИРС"</a:t>
-            </a:r>
-            <a:br>
-              <a:rPr lang="ru-RU" sz="1600" b="1" dirty="0"/>
-            </a:br>
-            <a:r>
-              <a:rPr lang="ru-RU" sz="1600" b="1" dirty="0"/>
-              <a:t>Инженер-программист</a:t>
-            </a:r>
-            <a:br>
-              <a:rPr lang="ru-RU" sz="1600" b="1" dirty="0"/>
-            </a:br>
-            <a:r>
-              <a:rPr lang="ru-RU" sz="1600" dirty="0"/>
-              <a:t>Разработка проектов ПЛИС XILINX в составе сложных систем;</a:t>
-            </a:r>
-            <a:br>
-              <a:rPr lang="ru-RU" sz="1600" dirty="0"/>
-            </a:br>
-            <a:r>
-              <a:rPr lang="ru-RU" sz="1600" dirty="0"/>
-              <a:t>Разработка ПО для цифровой обработки </a:t>
-            </a:r>
-            <a:r>
-              <a:rPr lang="ru-RU" sz="1600" dirty="0" smtClean="0"/>
-              <a:t>сигналов;</a:t>
-            </a:r>
-            <a:r>
-              <a:rPr lang="ru-RU" sz="1600" dirty="0"/>
-              <a:t/>
-            </a:r>
-            <a:br>
-              <a:rPr lang="ru-RU" sz="1600" dirty="0"/>
-            </a:br>
-            <a:r>
-              <a:rPr lang="ru-RU" sz="1600" dirty="0"/>
-              <a:t>Разработка ПО для работы с интерфейсами SPI, I2C, UART, </a:t>
-            </a:r>
-            <a:r>
-              <a:rPr lang="ru-RU" sz="1600" dirty="0" err="1"/>
-              <a:t>Wiegand</a:t>
-            </a:r>
-            <a:r>
-              <a:rPr lang="ru-RU" sz="1600" dirty="0"/>
-              <a:t>, AURORA, </a:t>
-            </a:r>
-            <a:r>
-              <a:rPr lang="ru-RU" sz="1600" dirty="0" smtClean="0"/>
-              <a:t>AXI;</a:t>
-            </a:r>
-            <a:r>
-              <a:rPr lang="ru-RU" sz="1600" dirty="0"/>
-              <a:t/>
-            </a:r>
-            <a:br>
-              <a:rPr lang="ru-RU" sz="1600" dirty="0"/>
-            </a:br>
-            <a:r>
-              <a:rPr lang="ru-RU" sz="1600" dirty="0"/>
-              <a:t>Работа с </a:t>
-            </a:r>
-            <a:r>
-              <a:rPr lang="ru-RU" sz="1600" dirty="0" err="1"/>
-              <a:t>legacy</a:t>
-            </a:r>
-            <a:r>
-              <a:rPr lang="ru-RU" sz="1600" dirty="0"/>
-              <a:t> </a:t>
-            </a:r>
-            <a:r>
-              <a:rPr lang="ru-RU" sz="1600" dirty="0" smtClean="0"/>
-              <a:t>кодом;</a:t>
-            </a:r>
-            <a:r>
-              <a:rPr lang="ru-RU" sz="1600" dirty="0"/>
-              <a:t/>
-            </a:r>
-            <a:br>
-              <a:rPr lang="ru-RU" sz="1600" dirty="0"/>
-            </a:br>
-            <a:r>
-              <a:rPr lang="ru-RU" sz="1600" dirty="0"/>
-              <a:t>Тестирование и отладка проектов ПЛИС со средствами симуляции и средствами отладки </a:t>
-            </a:r>
-            <a:r>
-              <a:rPr lang="ru-RU" sz="1600" dirty="0" smtClean="0"/>
-              <a:t>проектов;</a:t>
-            </a:r>
-            <a:r>
-              <a:rPr lang="ru-RU" sz="1600" dirty="0"/>
-              <a:t/>
-            </a:r>
-            <a:br>
-              <a:rPr lang="ru-RU" sz="1600" dirty="0"/>
-            </a:br>
-            <a:r>
-              <a:rPr lang="ru-RU" sz="1600" dirty="0"/>
-              <a:t>Опыт разработки автоматов управления периферийными устройствами;</a:t>
-            </a:r>
-            <a:br>
-              <a:rPr lang="ru-RU" sz="1600" dirty="0"/>
-            </a:br>
-            <a:r>
-              <a:rPr lang="ru-RU" sz="1600" dirty="0"/>
-              <a:t>Владение языками описания аппаратуры </a:t>
-            </a:r>
-            <a:r>
-              <a:rPr lang="ru-RU" sz="1600" dirty="0" err="1" smtClean="0"/>
-              <a:t>SystemVerilog</a:t>
-            </a:r>
-            <a:r>
-              <a:rPr lang="ru-RU" sz="1600" dirty="0" smtClean="0"/>
-              <a:t>/</a:t>
-            </a:r>
-            <a:r>
-              <a:rPr lang="ru-RU" sz="1600" dirty="0" err="1" smtClean="0"/>
-              <a:t>Verilog</a:t>
-            </a:r>
-            <a:r>
-              <a:rPr lang="ru-RU" sz="1600" dirty="0" smtClean="0"/>
-              <a:t>, а </a:t>
-            </a:r>
-            <a:r>
-              <a:rPr lang="ru-RU" sz="1600" dirty="0"/>
-              <a:t>также С/С++;</a:t>
-            </a:r>
-            <a:br>
-              <a:rPr lang="ru-RU" sz="1600" dirty="0"/>
-            </a:br>
-            <a:r>
-              <a:rPr lang="ru-RU" sz="1600" dirty="0"/>
-              <a:t>Программирование микроконтроллеров </a:t>
-            </a:r>
-            <a:r>
-              <a:rPr lang="ru-RU" sz="1600" dirty="0" smtClean="0"/>
-              <a:t>STM32/8</a:t>
-            </a:r>
-            <a:r>
-              <a:rPr lang="ru-RU" sz="1600" dirty="0"/>
-              <a:t>.</a:t>
-            </a:r>
-            <a:r>
-              <a:rPr lang="en-US" sz="1600" dirty="0" smtClean="0"/>
-              <a:t/>
-            </a:r>
-            <a:br>
-              <a:rPr lang="en-US" sz="1600" dirty="0" smtClean="0"/>
-            </a:br>
-            <a:r>
-              <a:rPr lang="ru-RU" sz="1600" dirty="0"/>
-              <a:t/>
-            </a:r>
-            <a:br>
-              <a:rPr lang="ru-RU" sz="1600" dirty="0"/>
-            </a:br>
-            <a:r>
-              <a:rPr lang="ru-RU" sz="1600" dirty="0"/>
-              <a:t>Август 2016 — апрель </a:t>
-            </a:r>
-            <a:r>
-              <a:rPr lang="ru-RU" sz="1600" dirty="0" smtClean="0"/>
-              <a:t>2019</a:t>
-            </a:r>
-            <a:r>
-              <a:rPr lang="en-US" sz="1600" dirty="0" smtClean="0"/>
-              <a:t> </a:t>
-            </a:r>
-            <a:r>
-              <a:rPr lang="ru-RU" sz="1600" dirty="0" smtClean="0"/>
-              <a:t>2</a:t>
-            </a:r>
-            <a:r>
-              <a:rPr lang="ru-RU" sz="1600" dirty="0"/>
-              <a:t> года 9 </a:t>
-            </a:r>
-            <a:r>
-              <a:rPr lang="ru-RU" sz="1600" dirty="0" smtClean="0"/>
-              <a:t>месяцев</a:t>
-            </a:r>
-            <a:r>
-              <a:rPr lang="ru-RU" sz="1600" dirty="0"/>
-              <a:t/>
-            </a:r>
-            <a:br>
-              <a:rPr lang="ru-RU" sz="1600" dirty="0"/>
-            </a:br>
-            <a:r>
-              <a:rPr lang="ru-RU" sz="1600" b="1" dirty="0"/>
-              <a:t>ООО ПК "</a:t>
-            </a:r>
-            <a:r>
-              <a:rPr lang="ru-RU" sz="1600" b="1" dirty="0" err="1"/>
-              <a:t>РостЕвроСтрой</a:t>
-            </a:r>
-            <a:r>
-              <a:rPr lang="ru-RU" sz="1600" b="1" dirty="0"/>
-              <a:t>"</a:t>
-            </a:r>
-            <a:br>
-              <a:rPr lang="ru-RU" sz="1600" b="1" dirty="0"/>
-            </a:br>
-            <a:r>
-              <a:rPr lang="ru-RU" sz="1600" b="1" dirty="0"/>
-              <a:t>Инженер-электронщик</a:t>
-            </a:r>
-            <a:br>
-              <a:rPr lang="ru-RU" sz="1600" b="1" dirty="0"/>
-            </a:br>
-            <a:r>
-              <a:rPr lang="ru-RU" sz="1600" dirty="0"/>
-              <a:t>Разработка алгоритмов функционирования устройств;</a:t>
-            </a:r>
-            <a:br>
-              <a:rPr lang="ru-RU" sz="1600" dirty="0"/>
-            </a:br>
-            <a:r>
-              <a:rPr lang="ru-RU" sz="1600" dirty="0"/>
-              <a:t>Работа с </a:t>
-            </a:r>
-            <a:r>
-              <a:rPr lang="ru-RU" sz="1600" dirty="0" err="1"/>
-              <a:t>legacy</a:t>
-            </a:r>
-            <a:r>
-              <a:rPr lang="ru-RU" sz="1600" dirty="0"/>
-              <a:t> </a:t>
-            </a:r>
-            <a:r>
-              <a:rPr lang="ru-RU" sz="1600" dirty="0" smtClean="0"/>
-              <a:t>кодом;</a:t>
-            </a:r>
-            <a:r>
-              <a:rPr lang="ru-RU" sz="1600" dirty="0"/>
-              <a:t/>
-            </a:r>
-            <a:br>
-              <a:rPr lang="ru-RU" sz="1600" dirty="0"/>
-            </a:br>
-            <a:r>
-              <a:rPr lang="ru-RU" sz="1600" dirty="0"/>
-              <a:t>Программирование микроконтроллеров на языках С/С++ и </a:t>
-            </a:r>
-            <a:r>
-              <a:rPr lang="ru-RU" sz="1600" dirty="0" err="1"/>
-              <a:t>Assembler</a:t>
-            </a:r>
-            <a:r>
-              <a:rPr lang="ru-RU" sz="1600" dirty="0"/>
-              <a:t> для серийных </a:t>
-            </a:r>
-            <a:r>
-              <a:rPr lang="ru-RU" sz="1600" dirty="0" smtClean="0"/>
-              <a:t>изделий;</a:t>
-            </a:r>
-            <a:r>
-              <a:rPr lang="ru-RU" sz="1600" dirty="0"/>
-              <a:t/>
-            </a:r>
-            <a:br>
-              <a:rPr lang="ru-RU" sz="1600" dirty="0"/>
-            </a:br>
-            <a:r>
-              <a:rPr lang="ru-RU" sz="1600" dirty="0"/>
-              <a:t>Использование системы контроля версий </a:t>
-            </a:r>
-            <a:r>
-              <a:rPr lang="ru-RU" sz="1600" dirty="0" err="1"/>
-              <a:t>git</a:t>
-            </a:r>
-            <a:r>
-              <a:rPr lang="ru-RU" sz="1600" dirty="0"/>
-              <a:t>.</a:t>
-            </a:r>
-            <a:br>
-              <a:rPr lang="ru-RU" sz="1600" dirty="0"/>
-            </a:br>
-            <a:r>
-              <a:rPr lang="ru-RU" sz="1600" dirty="0"/>
-              <a:t>Программирование микроконтроллеров STM32, PIC12/16/18;</a:t>
-            </a:r>
-            <a:br>
-              <a:rPr lang="ru-RU" sz="1600" dirty="0"/>
-            </a:br>
-            <a:r>
-              <a:rPr lang="ru-RU" sz="1600" dirty="0"/>
-              <a:t>Создание диалоговых приложений для отладки устройств под </a:t>
-            </a:r>
-            <a:r>
-              <a:rPr lang="ru-RU" sz="1600" dirty="0" err="1"/>
-              <a:t>Windows</a:t>
-            </a:r>
-            <a:r>
-              <a:rPr lang="ru-RU" sz="1600" dirty="0"/>
-              <a:t>;</a:t>
-            </a:r>
-            <a:br>
-              <a:rPr lang="ru-RU" sz="1600" dirty="0"/>
-            </a:br>
-            <a:r>
-              <a:rPr lang="ru-RU" sz="1600" dirty="0"/>
-              <a:t>Работа с периферией (дисплеи, клавиатуры, внешняя память, приемо-передатчики и т.д.);</a:t>
-            </a:r>
-            <a:br>
-              <a:rPr lang="ru-RU" sz="1600" dirty="0"/>
-            </a:br>
-            <a:r>
-              <a:rPr lang="ru-RU" sz="1600" dirty="0"/>
-              <a:t>Знание интерфейсов RS 232/485, SPI, I2C, 1-WIER, UART, </a:t>
-            </a:r>
-            <a:r>
-              <a:rPr lang="ru-RU" sz="1600" dirty="0" err="1"/>
-              <a:t>Wiegand</a:t>
-            </a:r>
-            <a:r>
-              <a:rPr lang="ru-RU" sz="1600" dirty="0"/>
-              <a:t>, AURORA, AXI</a:t>
-            </a:r>
-            <a:r>
-              <a:rPr lang="ru-RU" sz="1600" dirty="0" smtClean="0"/>
-              <a:t>.</a:t>
-            </a:r>
-            <a:r>
-              <a:rPr lang="ru-RU" sz="1600" dirty="0"/>
-              <a:t/>
-            </a:r>
-            <a:br>
-              <a:rPr lang="ru-RU" sz="1600" dirty="0"/>
-            </a:br>
-            <a:r>
-              <a:rPr lang="ru-RU" sz="1600" dirty="0"/>
-              <a:t/>
-            </a:r>
-            <a:br>
-              <a:rPr lang="ru-RU" sz="1600" dirty="0"/>
-            </a:br>
-            <a:endParaRPr lang="ru-RU" sz="1600" dirty="0"/>
-          </a:p>
-        </p:txBody>
-      </p:sp>
-    </p:spTree>
-    <p:extLst>
-      <p:ext uri="{BB962C8B-B14F-4D97-AF65-F5344CB8AC3E}">
-        <p14:creationId xmlns:p14="http://schemas.microsoft.com/office/powerpoint/2010/main" val="2085575195"/>
-      </p:ext>
-    </p:extLst>
-  </p:cSld>
-  <p:clrMapOvr>
-    <a:masterClrMapping/>
-  </p:clrMapOvr>
-</p:sld>
-</file>
-
-<file path=ppt/slides/slide4.xml><?xml version="1.0" encoding="utf-8"?>
-<p:sld xmlns:a="http://schemas.openxmlformats.org/drawingml/2006/main" xmlns:r="http://schemas.openxmlformats.org/officeDocument/2006/relationships" xmlns:p="http://schemas.openxmlformats.org/presentationml/2006/main" showMasterPhAnim="0">
-  <p:cSld>
-    <p:spTree>
-      <p:nvGrpSpPr>
-        <p:cNvPr id="1" name=""/>
-        <p:cNvGrpSpPr/>
-        <p:nvPr/>
-      </p:nvGrpSpPr>
-      <p:grpSpPr bwMode="auto">
-        <a:xfrm>
-          <a:off x="0" y="0"/>
-          <a:ext cx="0" cy="0"/>
-          <a:chOff x="0" y="0"/>
-          <a:chExt cx="0" cy="0"/>
-        </a:xfrm>
-      </p:grpSpPr>
-      <p:sp>
-        <p:nvSpPr>
           <p:cNvPr id="41" name="object 4">
             <a:extLst>
               <a:ext uri="{FF2B5EF4-FFF2-40B4-BE49-F238E27FC236}">
@@ -9384,8 +7229,55 @@
               <a:rPr lang="ru-RU" sz="2000" dirty="0">
                 <a:latin typeface="Calibri (Основной текст)"/>
               </a:rPr>
-              <a:t> доступа к источнику данных, а также получения и записи данных, был использован паттерн DAO.</a:t>
-            </a:r>
+              <a:t> доступа к источнику данных, а также получения и записи данных, был использован паттерн DAO</a:t>
+            </a:r>
+            <a:r>
+              <a:rPr lang="ru-RU" sz="2000" dirty="0" smtClean="0">
+                <a:latin typeface="Calibri (Основной текст)"/>
+              </a:rPr>
+              <a:t>.</a:t>
+            </a:r>
+          </a:p>
+          <a:p>
+            <a:r>
+              <a:rPr lang="ru-RU" sz="2000" dirty="0" smtClean="0">
+                <a:latin typeface="Calibri (Основной текст)"/>
+              </a:rPr>
+              <a:t>Для обработки HTML используется </a:t>
+            </a:r>
+            <a:r>
+              <a:rPr lang="ru-RU" sz="2000" dirty="0" err="1">
+                <a:latin typeface="Calibri (Основной текст)"/>
+              </a:rPr>
+              <a:t>шаблонизатор</a:t>
+            </a:r>
+            <a:r>
+              <a:rPr lang="ru-RU" sz="2000" dirty="0">
+                <a:latin typeface="Calibri (Основной текст)"/>
+              </a:rPr>
+              <a:t> </a:t>
+            </a:r>
+            <a:r>
+              <a:rPr lang="ru-RU" sz="2000" dirty="0" smtClean="0">
+                <a:latin typeface="Calibri (Основной текст)"/>
+              </a:rPr>
+              <a:t> </a:t>
+            </a:r>
+            <a:r>
+              <a:rPr lang="ru-RU" sz="2000" dirty="0" err="1" smtClean="0">
+                <a:latin typeface="Calibri (Основной текст)"/>
+              </a:rPr>
+              <a:t>Thymeleaf</a:t>
+            </a:r>
+            <a:r>
+              <a:rPr lang="ru-RU" sz="2000" dirty="0" smtClean="0">
+                <a:latin typeface="Calibri (Основной текст)"/>
+              </a:rPr>
+              <a:t>.</a:t>
+            </a:r>
+            <a:endParaRPr lang="ru-RU" sz="2000" dirty="0">
+              <a:latin typeface="Calibri (Основной текст)"/>
+            </a:endParaRPr>
           </a:p>
           <a:p>
             <a:r>
@@ -9576,9 +7468,6 @@
               </a:rPr>
               <a:t>Банковская карта (номер карты, номер CVC, дата выдачи, дата окончания действия).</a:t>
             </a:r>
-            <a:endParaRPr lang="ru-RU" sz="2000" dirty="0">
-              <a:latin typeface="Calibri (Основной текст)"/>
-            </a:endParaRPr>
           </a:p>
           <a:p>
             <a:r>
@@ -9603,7 +7492,7 @@
 </p:sld>
 </file>
 
-<file path=ppt/slides/slide5.xml><?xml version="1.0" encoding="utf-8"?>
+<file path=ppt/slides/slide2.xml><?xml version="1.0" encoding="utf-8"?>
 <p:sld xmlns:a="http://schemas.openxmlformats.org/drawingml/2006/main" xmlns:r="http://schemas.openxmlformats.org/officeDocument/2006/relationships" xmlns:p="http://schemas.openxmlformats.org/presentationml/2006/main">
   <p:cSld>
     <p:spTree>
@@ -9799,35 +7688,6 @@
           </a:p>
         </p:txBody>
       </p:sp>
-      <p:pic>
-        <p:nvPicPr>
-          <p:cNvPr id="3" name="Рисунок 33">
-            <a:extLst>
-              <a:ext uri="{FF2B5EF4-FFF2-40B4-BE49-F238E27FC236}">
-                <a16:creationId xmlns:a16="http://schemas.microsoft.com/office/drawing/2014/main" id="{03F0A934-8727-4150-AD5E-F9F80D3C5646}"/>
-              </a:ext>
-            </a:extLst>
-          </p:cNvPr>
-          <p:cNvPicPr>
-            <a:picLocks noChangeAspect="1"/>
-          </p:cNvPicPr>
-          <p:nvPr/>
-        </p:nvPicPr>
-        <p:blipFill>
-          <a:blip r:embed="rId2"/>
-          <a:srcRect l="24035" t="22170" r="28989" b="16682"/>
-          <a:stretch/>
-        </p:blipFill>
-        <p:spPr bwMode="auto">
-          <a:xfrm rot="16199999">
-            <a:off x="864793" y="5646727"/>
-            <a:ext cx="940394" cy="1224135"/>
-          </a:xfrm>
-          <a:prstGeom prst="rect">
-            <a:avLst/>
-          </a:prstGeom>
-        </p:spPr>
-      </p:pic>
       <p:sp>
         <p:nvSpPr>
           <p:cNvPr id="5" name="Прямоугольник 4"/>
@@ -9869,7 +7729,7 @@
 </p:sld>
 </file>
 
-<file path=ppt/slides/slide6.xml><?xml version="1.0" encoding="utf-8"?>
+<file path=ppt/slides/slide3.xml><?xml version="1.0" encoding="utf-8"?>
 <p:sld xmlns:a="http://schemas.openxmlformats.org/drawingml/2006/main" xmlns:r="http://schemas.openxmlformats.org/officeDocument/2006/relationships" xmlns:p="http://schemas.openxmlformats.org/presentationml/2006/main" showMasterPhAnim="0">
   <p:cSld>
     <p:spTree>
@@ -10153,7 +8013,7 @@
 </p:sld>
 </file>
 
-<file path=ppt/slides/slide7.xml><?xml version="1.0" encoding="utf-8"?>
+<file path=ppt/slides/slide4.xml><?xml version="1.0" encoding="utf-8"?>
 <p:sld xmlns:a="http://schemas.openxmlformats.org/drawingml/2006/main" xmlns:r="http://schemas.openxmlformats.org/officeDocument/2006/relationships" xmlns:p="http://schemas.openxmlformats.org/presentationml/2006/main" showMasterPhAnim="0">
   <p:cSld>
     <p:spTree>
@@ -10311,7 +8171,7 @@
 </p:sld>
 </file>
 
-<file path=ppt/slides/slide8.xml><?xml version="1.0" encoding="utf-8"?>
+<file path=ppt/slides/slide5.xml><?xml version="1.0" encoding="utf-8"?>
 <p:sld xmlns:a="http://schemas.openxmlformats.org/drawingml/2006/main" xmlns:r="http://schemas.openxmlformats.org/officeDocument/2006/relationships" xmlns:p="http://schemas.openxmlformats.org/presentationml/2006/main">
   <p:cSld>
     <p:spTree>
@@ -10519,7 +8379,7 @@
 </p:sld>
 </file>
 
-<file path=ppt/slides/slide9.xml><?xml version="1.0" encoding="utf-8"?>
+<file path=ppt/slides/slide6.xml><?xml version="1.0" encoding="utf-8"?>
 <p:sld xmlns:a="http://schemas.openxmlformats.org/drawingml/2006/main" xmlns:r="http://schemas.openxmlformats.org/officeDocument/2006/relationships" xmlns:p="http://schemas.openxmlformats.org/presentationml/2006/main">
   <p:cSld>
     <p:spTree>
@@ -10769,6 +8629,186 @@
     <p:extLst>
       <p:ext uri="{BB962C8B-B14F-4D97-AF65-F5344CB8AC3E}">
         <p14:creationId xmlns:p14="http://schemas.microsoft.com/office/powerpoint/2010/main" val="3217130494"/>
+      </p:ext>
+    </p:extLst>
+  </p:cSld>
+  <p:clrMapOvr>
+    <a:masterClrMapping/>
+  </p:clrMapOvr>
+</p:sld>
+</file>
+
+<file path=ppt/slides/slide7.xml><?xml version="1.0" encoding="utf-8"?>
+<p:sld xmlns:a="http://schemas.openxmlformats.org/drawingml/2006/main" xmlns:r="http://schemas.openxmlformats.org/officeDocument/2006/relationships" xmlns:p="http://schemas.openxmlformats.org/presentationml/2006/main">
+  <p:cSld>
+    <p:spTree>
+      <p:nvGrpSpPr>
+        <p:cNvPr id="1" name=""/>
+        <p:cNvGrpSpPr/>
+        <p:nvPr/>
+      </p:nvGrpSpPr>
+      <p:grpSpPr>
+        <a:xfrm>
+          <a:off x="0" y="0"/>
+          <a:ext cx="0" cy="0"/>
+          <a:chOff x="0" y="0"/>
+          <a:chExt cx="0" cy="0"/>
+        </a:xfrm>
+      </p:grpSpPr>
+      <p:sp>
+        <p:nvSpPr>
+          <p:cNvPr id="2" name="Заголовок 1"/>
+          <p:cNvSpPr>
+            <a:spLocks noGrp="1"/>
+          </p:cNvSpPr>
+          <p:nvPr>
+            <p:ph type="title"/>
+          </p:nvPr>
+        </p:nvSpPr>
+        <p:spPr>
+          <a:xfrm>
+            <a:off x="3071664" y="404664"/>
+            <a:ext cx="10728324" cy="1325563"/>
+          </a:xfrm>
+        </p:spPr>
+        <p:txBody>
+          <a:bodyPr>
+            <a:normAutofit/>
+          </a:bodyPr>
+          <a:lstStyle/>
+          <a:p>
+            <a:r>
+              <a:rPr lang="ru-RU" sz="2400" dirty="0" smtClean="0"/>
+              <a:t>Страница создания нового клиента.</a:t>
+            </a:r>
+            <a:endParaRPr lang="ru-RU" sz="2400" dirty="0"/>
+          </a:p>
+        </p:txBody>
+      </p:sp>
+      <p:pic>
+        <p:nvPicPr>
+          <p:cNvPr id="3" name="Рисунок 2"/>
+          <p:cNvPicPr>
+            <a:picLocks noChangeAspect="1"/>
+          </p:cNvPicPr>
+          <p:nvPr/>
+        </p:nvPicPr>
+        <p:blipFill>
+          <a:blip r:embed="rId2">
+            <a:extLst>
+              <a:ext uri="{28A0092B-C50C-407E-A947-70E740481C1C}">
+                <a14:useLocalDpi xmlns:a14="http://schemas.microsoft.com/office/drawing/2010/main" val="0"/>
+              </a:ext>
+            </a:extLst>
+          </a:blip>
+          <a:stretch>
+            <a:fillRect/>
+          </a:stretch>
+        </p:blipFill>
+        <p:spPr>
+          <a:xfrm>
+            <a:off x="3791744" y="2060848"/>
+            <a:ext cx="3857625" cy="2247900"/>
+          </a:xfrm>
+          <a:prstGeom prst="rect">
+            <a:avLst/>
+          </a:prstGeom>
+        </p:spPr>
+      </p:pic>
+    </p:spTree>
+    <p:extLst>
+      <p:ext uri="{BB962C8B-B14F-4D97-AF65-F5344CB8AC3E}">
+        <p14:creationId xmlns:p14="http://schemas.microsoft.com/office/powerpoint/2010/main" val="4254082888"/>
+      </p:ext>
+    </p:extLst>
+  </p:cSld>
+  <p:clrMapOvr>
+    <a:masterClrMapping/>
+  </p:clrMapOvr>
+</p:sld>
+</file>
+
+<file path=ppt/slides/slide8.xml><?xml version="1.0" encoding="utf-8"?>
+<p:sld xmlns:a="http://schemas.openxmlformats.org/drawingml/2006/main" xmlns:r="http://schemas.openxmlformats.org/officeDocument/2006/relationships" xmlns:p="http://schemas.openxmlformats.org/presentationml/2006/main">
+  <p:cSld>
+    <p:spTree>
+      <p:nvGrpSpPr>
+        <p:cNvPr id="1" name=""/>
+        <p:cNvGrpSpPr/>
+        <p:nvPr/>
+      </p:nvGrpSpPr>
+      <p:grpSpPr>
+        <a:xfrm>
+          <a:off x="0" y="0"/>
+          <a:ext cx="0" cy="0"/>
+          <a:chOff x="0" y="0"/>
+          <a:chExt cx="0" cy="0"/>
+        </a:xfrm>
+      </p:grpSpPr>
+      <p:sp>
+        <p:nvSpPr>
+          <p:cNvPr id="3" name="Заголовок 1"/>
+          <p:cNvSpPr>
+            <a:spLocks noGrp="1"/>
+          </p:cNvSpPr>
+          <p:nvPr>
+            <p:ph type="title"/>
+          </p:nvPr>
+        </p:nvSpPr>
+        <p:spPr>
+          <a:xfrm>
+            <a:off x="1559496" y="332656"/>
+            <a:ext cx="10728324" cy="1325563"/>
+          </a:xfrm>
+        </p:spPr>
+        <p:txBody>
+          <a:bodyPr>
+            <a:normAutofit/>
+          </a:bodyPr>
+          <a:lstStyle/>
+          <a:p>
+            <a:r>
+              <a:rPr lang="ru-RU" sz="2400" dirty="0" smtClean="0"/>
+              <a:t>Страница для просмотра, создания и удаления карт.</a:t>
+            </a:r>
+            <a:endParaRPr lang="ru-RU" sz="2400" dirty="0"/>
+          </a:p>
+        </p:txBody>
+      </p:sp>
+      <p:pic>
+        <p:nvPicPr>
+          <p:cNvPr id="4" name="Рисунок 3"/>
+          <p:cNvPicPr>
+            <a:picLocks noChangeAspect="1"/>
+          </p:cNvPicPr>
+          <p:nvPr/>
+        </p:nvPicPr>
+        <p:blipFill>
+          <a:blip r:embed="rId2">
+            <a:extLst>
+              <a:ext uri="{28A0092B-C50C-407E-A947-70E740481C1C}">
+                <a14:useLocalDpi xmlns:a14="http://schemas.microsoft.com/office/drawing/2010/main" val="0"/>
+              </a:ext>
+            </a:extLst>
+          </a:blip>
+          <a:stretch>
+            <a:fillRect/>
+          </a:stretch>
+        </p:blipFill>
+        <p:spPr>
+          <a:xfrm>
+            <a:off x="1343472" y="1772816"/>
+            <a:ext cx="9029700" cy="3343275"/>
+          </a:xfrm>
+          <a:prstGeom prst="rect">
+            <a:avLst/>
+          </a:prstGeom>
+        </p:spPr>
+      </p:pic>
+    </p:spTree>
+    <p:extLst>
+      <p:ext uri="{BB962C8B-B14F-4D97-AF65-F5344CB8AC3E}">
+        <p14:creationId xmlns:p14="http://schemas.microsoft.com/office/powerpoint/2010/main" val="3107528184"/>
       </p:ext>
     </p:extLst>
   </p:cSld>
